--- a/ooobe.pptx
+++ b/ooobe.pptx
@@ -9,7 +9,7 @@
     <p:notesMasterId r:id="rId18"/>
   </p:notesMasterIdLst>
   <p:sldIdLst>
-    <p:sldId id="332" r:id="rId6"/>
+    <p:sldId id="333" r:id="rId6"/>
     <p:sldId id="256" r:id="rId7"/>
     <p:sldId id="258" r:id="rId8"/>
     <p:sldId id="259" r:id="rId9"/>
@@ -124,7 +124,7 @@
       <p14:sectionLst xmlns:p14="http://schemas.microsoft.com/office/powerpoint/2010/main">
         <p14:section name="INSTRUACTION" id="{07CDDD80-D3BB-484F-B2D0-AF40E3EBDCFB}">
           <p14:sldIdLst>
-            <p14:sldId id="332"/>
+            <p14:sldId id="333"/>
           </p14:sldIdLst>
         </p14:section>
         <p14:section name="oobe" id="{45294663-CEB3-4A75-AC14-98412BA93E70}">
@@ -241,7 +241,7 @@
           <a:p>
             <a:fld id="{C724EDB4-8B74-413E-B530-F9032364F112}" type="datetimeFigureOut">
               <a:rPr lang="zh-CN" altLang="en-US" smtClean="0"/>
-              <a:t>2022/2/6</a:t>
+              <a:t>2022/2/7</a:t>
             </a:fld>
             <a:endParaRPr lang="zh-CN" altLang="en-US"/>
           </a:p>
@@ -1203,14 +1203,6 @@
 <file path=ppt/slides/slide1.xml><?xml version="1.0" encoding="utf-8"?>
 <p:sld xmlns:a="http://schemas.openxmlformats.org/drawingml/2006/main" xmlns:r="http://schemas.openxmlformats.org/officeDocument/2006/relationships" xmlns:p="http://schemas.openxmlformats.org/presentationml/2006/main">
   <p:cSld>
-    <p:bg>
-      <p:bgPr>
-        <a:solidFill>
-          <a:schemeClr val="bg1"/>
-        </a:solidFill>
-        <a:effectLst/>
-      </p:bgPr>
-    </p:bg>
     <p:spTree>
       <p:nvGrpSpPr>
         <p:cNvPr id="1" name=""/>
@@ -1227,10 +1219,10 @@
       </p:grpSpPr>
       <p:grpSp>
         <p:nvGrpSpPr>
-          <p:cNvPr id="15" name="组合 14">
+          <p:cNvPr id="4" name="组合 3">
             <a:extLst>
               <a:ext uri="{FF2B5EF4-FFF2-40B4-BE49-F238E27FC236}">
-                <a16:creationId xmlns:a16="http://schemas.microsoft.com/office/drawing/2014/main" id="{F1FACFEE-C1A6-4537-8EE0-4FB2C59CECA5}"/>
+                <a16:creationId xmlns:a16="http://schemas.microsoft.com/office/drawing/2014/main" id="{3E5BEEC4-382D-4398-917A-6B8FC9443F9F}"/>
               </a:ext>
             </a:extLst>
           </p:cNvPr>
@@ -1239,184 +1231,18 @@
         </p:nvGrpSpPr>
         <p:grpSpPr>
           <a:xfrm>
-            <a:off x="599095" y="753196"/>
-            <a:ext cx="10993810" cy="4977045"/>
-            <a:chOff x="515284" y="72476"/>
-            <a:chExt cx="10993810" cy="4977045"/>
+            <a:off x="682906" y="481670"/>
+            <a:ext cx="10826188" cy="2071226"/>
+            <a:chOff x="766717" y="908390"/>
+            <a:chExt cx="10826188" cy="2071226"/>
           </a:xfrm>
         </p:grpSpPr>
         <p:sp>
           <p:nvSpPr>
-            <p:cNvPr id="16" name="矩形: 圆角 15">
+            <p:cNvPr id="2" name="文本框 1">
               <a:extLst>
                 <a:ext uri="{FF2B5EF4-FFF2-40B4-BE49-F238E27FC236}">
-                  <a16:creationId xmlns:a16="http://schemas.microsoft.com/office/drawing/2014/main" id="{71033B90-279D-4983-A13A-B27AB43C5FB3}"/>
-                </a:ext>
-              </a:extLst>
-            </p:cNvPr>
-            <p:cNvSpPr/>
-            <p:nvPr/>
-          </p:nvSpPr>
-          <p:spPr>
-            <a:xfrm>
-              <a:off x="515284" y="3050795"/>
-              <a:ext cx="10993810" cy="1998726"/>
-            </a:xfrm>
-            <a:prstGeom prst="roundRect">
-              <a:avLst>
-                <a:gd name="adj" fmla="val 12839"/>
-              </a:avLst>
-            </a:prstGeom>
-            <a:solidFill>
-              <a:srgbClr val="F7F7F7"/>
-            </a:solidFill>
-            <a:ln w="25400">
-              <a:noFill/>
-            </a:ln>
-            <a:effectLst/>
-          </p:spPr>
-          <p:style>
-            <a:lnRef idx="2">
-              <a:schemeClr val="accent1">
-                <a:shade val="50000"/>
-              </a:schemeClr>
-            </a:lnRef>
-            <a:fillRef idx="1">
-              <a:schemeClr val="accent1"/>
-            </a:fillRef>
-            <a:effectRef idx="0">
-              <a:schemeClr val="accent1"/>
-            </a:effectRef>
-            <a:fontRef idx="minor">
-              <a:schemeClr val="lt1"/>
-            </a:fontRef>
-          </p:style>
-          <p:txBody>
-            <a:bodyPr rtlCol="0" anchor="ctr"/>
-            <a:lstStyle/>
-            <a:p>
-              <a:pPr marL="0" marR="0" indent="0" algn="ctr" defTabSz="914400" rtl="0" eaLnBrk="1" fontAlgn="auto" latinLnBrk="0" hangingPunct="1">
-                <a:lnSpc>
-                  <a:spcPct val="100000"/>
-                </a:lnSpc>
-                <a:spcBef>
-                  <a:spcPts val="0"/>
-                </a:spcBef>
-                <a:spcAft>
-                  <a:spcPts val="0"/>
-                </a:spcAft>
-                <a:buClrTx/>
-                <a:buSzTx/>
-                <a:buFontTx/>
-                <a:buNone/>
-                <a:tabLst/>
-              </a:pPr>
-              <a:endParaRPr kumimoji="0" lang="zh-CN" altLang="en-US" sz="1800" b="0" i="0" u="none" strike="noStrike" kern="1200" cap="none" spc="0" normalizeH="0" baseline="0" noProof="0" dirty="0">
-                <a:ln>
-                  <a:noFill/>
-                </a:ln>
-                <a:solidFill>
-                  <a:prstClr val="white"/>
-                </a:solidFill>
-                <a:effectLst/>
-                <a:uLnTx/>
-                <a:uFillTx/>
-                <a:latin typeface="HarmonyOS Sans SC"/>
-                <a:ea typeface="HarmonyOS Sans SC"/>
-                <a:cs typeface="+mn-cs"/>
-              </a:endParaRPr>
-            </a:p>
-          </p:txBody>
-        </p:sp>
-        <p:sp>
-          <p:nvSpPr>
-            <p:cNvPr id="17" name="矩形: 圆角 16">
-              <a:extLst>
-                <a:ext uri="{FF2B5EF4-FFF2-40B4-BE49-F238E27FC236}">
-                  <a16:creationId xmlns:a16="http://schemas.microsoft.com/office/drawing/2014/main" id="{99090B16-48EA-4246-B173-BB4B723BC114}"/>
-                </a:ext>
-              </a:extLst>
-            </p:cNvPr>
-            <p:cNvSpPr/>
-            <p:nvPr/>
-          </p:nvSpPr>
-          <p:spPr>
-            <a:xfrm>
-              <a:off x="515284" y="72476"/>
-              <a:ext cx="10993810" cy="2525689"/>
-            </a:xfrm>
-            <a:prstGeom prst="roundRect">
-              <a:avLst>
-                <a:gd name="adj" fmla="val 8772"/>
-              </a:avLst>
-            </a:prstGeom>
-            <a:solidFill>
-              <a:srgbClr val="F7F7F7"/>
-            </a:solidFill>
-            <a:ln w="25400">
-              <a:noFill/>
-            </a:ln>
-            <a:effectLst/>
-          </p:spPr>
-          <p:style>
-            <a:lnRef idx="2">
-              <a:schemeClr val="accent1">
-                <a:shade val="50000"/>
-              </a:schemeClr>
-            </a:lnRef>
-            <a:fillRef idx="1">
-              <a:schemeClr val="accent1"/>
-            </a:fillRef>
-            <a:effectRef idx="0">
-              <a:schemeClr val="accent1"/>
-            </a:effectRef>
-            <a:fontRef idx="minor">
-              <a:schemeClr val="lt1"/>
-            </a:fontRef>
-          </p:style>
-          <p:txBody>
-            <a:bodyPr rtlCol="0" anchor="ctr"/>
-            <a:lstStyle/>
-            <a:p>
-              <a:pPr marL="0" marR="0" indent="0" algn="ctr" defTabSz="914400" rtl="0" eaLnBrk="1" fontAlgn="auto" latinLnBrk="0" hangingPunct="1">
-                <a:lnSpc>
-                  <a:spcPct val="100000"/>
-                </a:lnSpc>
-                <a:spcBef>
-                  <a:spcPts val="0"/>
-                </a:spcBef>
-                <a:spcAft>
-                  <a:spcPts val="0"/>
-                </a:spcAft>
-                <a:buClrTx/>
-                <a:buSzTx/>
-                <a:buFontTx/>
-                <a:buNone/>
-                <a:tabLst/>
-              </a:pPr>
-              <a:endParaRPr kumimoji="0" lang="zh-CN" altLang="en-US" sz="1800" b="0" i="0" u="none" strike="noStrike" kern="1200" cap="none" spc="0" normalizeH="0" baseline="0" noProof="0" dirty="0">
-                <a:ln>
-                  <a:noFill/>
-                </a:ln>
-                <a:solidFill>
-                  <a:prstClr val="white"/>
-                </a:solidFill>
-                <a:effectLst/>
-                <a:uLnTx/>
-                <a:uFillTx/>
-                <a:latin typeface="HarmonyOS Sans SC"/>
-                <a:ea typeface="HarmonyOS Sans SC"/>
-                <a:cs typeface="+mn-cs"/>
-              </a:endParaRPr>
-            </a:p>
-          </p:txBody>
-        </p:sp>
-        <p:sp>
-          <p:nvSpPr>
-            <p:cNvPr id="18" name="文本框 17">
-              <a:extLst>
-                <a:ext uri="{FF2B5EF4-FFF2-40B4-BE49-F238E27FC236}">
-                  <a16:creationId xmlns:a16="http://schemas.microsoft.com/office/drawing/2014/main" id="{EC24E7AB-41E3-472E-818D-9219AE3E9537}"/>
+                  <a16:creationId xmlns:a16="http://schemas.microsoft.com/office/drawing/2014/main" id="{82BB2E5C-1779-4C0C-B9CD-55441AAEC12F}"/>
                 </a:ext>
               </a:extLst>
             </p:cNvPr>
@@ -1425,7 +1251,7 @@
           </p:nvSpPr>
           <p:spPr>
             <a:xfrm>
-              <a:off x="682906" y="227670"/>
+              <a:off x="766717" y="908390"/>
               <a:ext cx="1720641" cy="463846"/>
             </a:xfrm>
             <a:prstGeom prst="rect">
@@ -1476,10 +1302,10 @@
         </p:sp>
         <p:sp>
           <p:nvSpPr>
-            <p:cNvPr id="19" name="文本框 18">
+            <p:cNvPr id="5" name="文本框 4">
               <a:extLst>
                 <a:ext uri="{FF2B5EF4-FFF2-40B4-BE49-F238E27FC236}">
-                  <a16:creationId xmlns:a16="http://schemas.microsoft.com/office/drawing/2014/main" id="{7398F746-980D-4CAC-9D5A-38B409EEB711}"/>
+                  <a16:creationId xmlns:a16="http://schemas.microsoft.com/office/drawing/2014/main" id="{2D15F6C1-9710-4109-BE2F-062B47D5AD75}"/>
                 </a:ext>
               </a:extLst>
             </p:cNvPr>
@@ -1488,7 +1314,7 @@
           </p:nvSpPr>
           <p:spPr>
             <a:xfrm>
-              <a:off x="682906" y="808334"/>
+              <a:off x="766717" y="1407774"/>
               <a:ext cx="10826188" cy="1571842"/>
             </a:xfrm>
             <a:prstGeom prst="rect">
@@ -1606,7 +1432,7 @@
                 <a:rPr lang="en-US" altLang="zh-CN" sz="1600" dirty="0">
                   <a:latin typeface="+mn-ea"/>
                 </a:rPr>
-                <a:t>220206-01</a:t>
+                <a:t>220207-01</a:t>
               </a:r>
             </a:p>
             <a:p>
@@ -1645,6 +1471,21 @@
                 <a:t>开发前，请前往</a:t>
               </a:r>
               <a:r>
+                <a:rPr lang="af-ZA" altLang="zh-CN" sz="1600" dirty="0">
+                  <a:solidFill>
+                    <a:srgbClr val="026EFF"/>
+                  </a:solidFill>
+                  <a:hlinkClick r:id="rId2">
+                    <a:extLst>
+                      <a:ext uri="{A12FA001-AC4F-418D-AE19-62706E023703}">
+                        <ahyp:hlinkClr xmlns:ahyp="http://schemas.microsoft.com/office/drawing/2018/hyperlinkcolor" val="tx"/>
+                      </a:ext>
+                    </a:extLst>
+                  </a:hlinkClick>
+                </a:rPr>
+                <a:t>PRIDEPLAYER-COMMUNITY/Litmus-OS-Neptune: </a:t>
+              </a:r>
+              <a:r>
                 <a:rPr lang="zh-CN" altLang="en-US" sz="1600" dirty="0">
                   <a:solidFill>
                     <a:srgbClr val="026EFF"/>
@@ -1657,7 +1498,7 @@
                     </a:extLst>
                   </a:hlinkClick>
                 </a:rPr>
-                <a:t>开发版本更新日志 </a:t>
+                <a:t>明霄升海平万象 </a:t>
               </a:r>
               <a:r>
                 <a:rPr lang="en-US" altLang="zh-CN" sz="1600" dirty="0">
@@ -1672,7 +1513,7 @@
                     </a:extLst>
                   </a:hlinkClick>
                 </a:rPr>
-                <a:t>– </a:t>
+                <a:t>(</a:t>
               </a:r>
               <a:r>
                 <a:rPr lang="af-ZA" altLang="zh-CN" sz="1600" dirty="0">
@@ -1687,86 +1528,51 @@
                     </a:extLst>
                   </a:hlinkClick>
                 </a:rPr>
-                <a:t>PRIDEPLAYER</a:t>
-              </a:r>
-              <a:r>
-                <a:rPr lang="zh-CN" altLang="en-US" sz="1600" dirty="0"/>
-                <a:t>检查版本是否为最新版，如果不是，请前往</a:t>
-              </a:r>
-              <a:r>
-                <a:rPr lang="af-ZA" altLang="zh-CN" sz="1600" dirty="0">
-                  <a:solidFill>
-                    <a:srgbClr val="026EFF"/>
-                  </a:solidFill>
-                  <a:hlinkClick r:id="rId3">
-                    <a:extLst>
-                      <a:ext uri="{A12FA001-AC4F-418D-AE19-62706E023703}">
-                        <ahyp:hlinkClr xmlns:ahyp="http://schemas.microsoft.com/office/drawing/2018/hyperlinkcolor" val="tx"/>
-                      </a:ext>
-                    </a:extLst>
-                  </a:hlinkClick>
-                </a:rPr>
-                <a:t>PRIDEPLAYER-COMMUNITY/Litmus-OS-Neptune: </a:t>
-              </a:r>
-              <a:r>
-                <a:rPr lang="zh-CN" altLang="en-US" sz="1600" dirty="0">
-                  <a:solidFill>
-                    <a:srgbClr val="026EFF"/>
-                  </a:solidFill>
-                  <a:hlinkClick r:id="rId3">
-                    <a:extLst>
-                      <a:ext uri="{A12FA001-AC4F-418D-AE19-62706E023703}">
-                        <ahyp:hlinkClr xmlns:ahyp="http://schemas.microsoft.com/office/drawing/2018/hyperlinkcolor" val="tx"/>
-                      </a:ext>
-                    </a:extLst>
-                  </a:hlinkClick>
-                </a:rPr>
-                <a:t>明霄升海平万象 </a:t>
-              </a:r>
-              <a:r>
-                <a:rPr lang="en-US" altLang="zh-CN" sz="1600" dirty="0">
-                  <a:solidFill>
-                    <a:srgbClr val="026EFF"/>
-                  </a:solidFill>
-                  <a:hlinkClick r:id="rId3">
-                    <a:extLst>
-                      <a:ext uri="{A12FA001-AC4F-418D-AE19-62706E023703}">
-                        <ahyp:hlinkClr xmlns:ahyp="http://schemas.microsoft.com/office/drawing/2018/hyperlinkcolor" val="tx"/>
-                      </a:ext>
-                    </a:extLst>
-                  </a:hlinkClick>
-                </a:rPr>
-                <a:t>(</a:t>
-              </a:r>
-              <a:r>
-                <a:rPr lang="af-ZA" altLang="zh-CN" sz="1600" dirty="0">
-                  <a:solidFill>
-                    <a:srgbClr val="026EFF"/>
-                  </a:solidFill>
-                  <a:hlinkClick r:id="rId3">
-                    <a:extLst>
-                      <a:ext uri="{A12FA001-AC4F-418D-AE19-62706E023703}">
-                        <ahyp:hlinkClr xmlns:ahyp="http://schemas.microsoft.com/office/drawing/2018/hyperlinkcolor" val="tx"/>
-                      </a:ext>
-                    </a:extLst>
-                  </a:hlinkClick>
-                </a:rPr>
                 <a:t>github.com)</a:t>
               </a:r>
               <a:r>
                 <a:rPr lang="zh-CN" altLang="en-US" sz="1600" dirty="0"/>
-                <a:t>以下载最新版。</a:t>
+                <a:t>检查版本是否为最新版（版本会写在</a:t>
+              </a:r>
+              <a:r>
+                <a:rPr lang="en-US" altLang="zh-CN" sz="1600" dirty="0"/>
+                <a:t>Description</a:t>
+              </a:r>
+              <a:r>
+                <a:rPr lang="zh-CN" altLang="en-US" sz="1600" dirty="0"/>
+                <a:t>种），如果不是，请在上面的链接中下载最新版。</a:t>
               </a:r>
               <a:endParaRPr lang="en-US" altLang="zh-CN" sz="1600" dirty="0"/>
             </a:p>
           </p:txBody>
         </p:sp>
+      </p:grpSp>
+      <p:grpSp>
+        <p:nvGrpSpPr>
+          <p:cNvPr id="10" name="组合 9">
+            <a:extLst>
+              <a:ext uri="{FF2B5EF4-FFF2-40B4-BE49-F238E27FC236}">
+                <a16:creationId xmlns:a16="http://schemas.microsoft.com/office/drawing/2014/main" id="{FFCACE69-E748-4626-B8D6-AB46416D3AE2}"/>
+              </a:ext>
+            </a:extLst>
+          </p:cNvPr>
+          <p:cNvGrpSpPr/>
+          <p:nvPr/>
+        </p:nvGrpSpPr>
+        <p:grpSpPr>
+          <a:xfrm>
+            <a:off x="682906" y="2885722"/>
+            <a:ext cx="10826188" cy="1578891"/>
+            <a:chOff x="766717" y="3877797"/>
+            <a:chExt cx="10826188" cy="1578891"/>
+          </a:xfrm>
+        </p:grpSpPr>
         <p:sp>
           <p:nvSpPr>
-            <p:cNvPr id="20" name="文本框 19">
+            <p:cNvPr id="6" name="文本框 5">
               <a:extLst>
                 <a:ext uri="{FF2B5EF4-FFF2-40B4-BE49-F238E27FC236}">
-                  <a16:creationId xmlns:a16="http://schemas.microsoft.com/office/drawing/2014/main" id="{600DE80F-3CD3-45AB-A111-D5CE398B5216}"/>
+                  <a16:creationId xmlns:a16="http://schemas.microsoft.com/office/drawing/2014/main" id="{4B50D194-239E-4463-9B4A-CD290BB40E61}"/>
                 </a:ext>
               </a:extLst>
             </p:cNvPr>
@@ -1775,7 +1581,7 @@
           </p:nvSpPr>
           <p:spPr>
             <a:xfrm>
-              <a:off x="682906" y="3197077"/>
+              <a:off x="766717" y="3877797"/>
               <a:ext cx="2028417" cy="463846"/>
             </a:xfrm>
             <a:prstGeom prst="rect">
@@ -1836,10 +1642,10 @@
         </p:sp>
         <p:sp>
           <p:nvSpPr>
-            <p:cNvPr id="21" name="文本框 20">
+            <p:cNvPr id="7" name="文本框 6">
               <a:extLst>
                 <a:ext uri="{FF2B5EF4-FFF2-40B4-BE49-F238E27FC236}">
-                  <a16:creationId xmlns:a16="http://schemas.microsoft.com/office/drawing/2014/main" id="{9DA67AA4-365B-481C-B9B4-A0370215C85F}"/>
+                  <a16:creationId xmlns:a16="http://schemas.microsoft.com/office/drawing/2014/main" id="{98CEE875-4BAB-4B19-8053-D94EE5E05A84}"/>
                 </a:ext>
               </a:extLst>
             </p:cNvPr>
@@ -1848,7 +1654,7 @@
           </p:nvSpPr>
           <p:spPr>
             <a:xfrm>
-              <a:off x="682906" y="3777849"/>
+              <a:off x="766717" y="4377289"/>
               <a:ext cx="10826188" cy="1079399"/>
             </a:xfrm>
             <a:prstGeom prst="rect">
@@ -2018,7 +1824,7 @@
                   <a:solidFill>
                     <a:srgbClr val="026EFF"/>
                   </a:solidFill>
-                  <a:hlinkClick r:id="rId4">
+                  <a:hlinkClick r:id="rId3">
                     <a:extLst>
                       <a:ext uri="{A12FA001-AC4F-418D-AE19-62706E023703}">
                         <ahyp:hlinkClr xmlns:ahyp="http://schemas.microsoft.com/office/drawing/2018/hyperlinkcolor" val="tx"/>
@@ -2033,7 +1839,7 @@
                   <a:solidFill>
                     <a:srgbClr val="026EFF"/>
                   </a:solidFill>
-                  <a:hlinkClick r:id="rId4">
+                  <a:hlinkClick r:id="rId3">
                     <a:extLst>
                       <a:ext uri="{A12FA001-AC4F-418D-AE19-62706E023703}">
                         <ahyp:hlinkClr xmlns:ahyp="http://schemas.microsoft.com/office/drawing/2018/hyperlinkcolor" val="tx"/>
@@ -2048,7 +1854,7 @@
                   <a:solidFill>
                     <a:srgbClr val="026EFF"/>
                   </a:solidFill>
-                  <a:hlinkClick r:id="rId4">
+                  <a:hlinkClick r:id="rId3">
                     <a:extLst>
                       <a:ext uri="{A12FA001-AC4F-418D-AE19-62706E023703}">
                         <ahyp:hlinkClr xmlns:ahyp="http://schemas.microsoft.com/office/drawing/2018/hyperlinkcolor" val="tx"/>
@@ -2063,7 +1869,7 @@
                   <a:solidFill>
                     <a:srgbClr val="026EFF"/>
                   </a:solidFill>
-                  <a:hlinkClick r:id="rId4">
+                  <a:hlinkClick r:id="rId3">
                     <a:extLst>
                       <a:ext uri="{A12FA001-AC4F-418D-AE19-62706E023703}">
                         <ahyp:hlinkClr xmlns:ahyp="http://schemas.microsoft.com/office/drawing/2018/hyperlinkcolor" val="tx"/>
@@ -2078,7 +1884,7 @@
                   <a:solidFill>
                     <a:srgbClr val="026EFF"/>
                   </a:solidFill>
-                  <a:hlinkClick r:id="rId4">
+                  <a:hlinkClick r:id="rId3">
                     <a:extLst>
                       <a:ext uri="{A12FA001-AC4F-418D-AE19-62706E023703}">
                         <ahyp:hlinkClr xmlns:ahyp="http://schemas.microsoft.com/office/drawing/2018/hyperlinkcolor" val="tx"/>
@@ -2093,7 +1899,7 @@
                   <a:solidFill>
                     <a:srgbClr val="026EFF"/>
                   </a:solidFill>
-                  <a:hlinkClick r:id="rId4">
+                  <a:hlinkClick r:id="rId3">
                     <a:extLst>
                       <a:ext uri="{A12FA001-AC4F-418D-AE19-62706E023703}">
                         <ahyp:hlinkClr xmlns:ahyp="http://schemas.microsoft.com/office/drawing/2018/hyperlinkcolor" val="tx"/>
@@ -2122,10 +1928,245 @@
           </p:txBody>
         </p:sp>
       </p:grpSp>
+      <p:grpSp>
+        <p:nvGrpSpPr>
+          <p:cNvPr id="12" name="组合 11">
+            <a:extLst>
+              <a:ext uri="{FF2B5EF4-FFF2-40B4-BE49-F238E27FC236}">
+                <a16:creationId xmlns:a16="http://schemas.microsoft.com/office/drawing/2014/main" id="{F1B57368-1373-45BA-A6EF-B0AB42286FDA}"/>
+              </a:ext>
+            </a:extLst>
+          </p:cNvPr>
+          <p:cNvGrpSpPr/>
+          <p:nvPr/>
+        </p:nvGrpSpPr>
+        <p:grpSpPr>
+          <a:xfrm>
+            <a:off x="682906" y="4797439"/>
+            <a:ext cx="10826188" cy="1332670"/>
+            <a:chOff x="766717" y="3877797"/>
+            <a:chExt cx="10826188" cy="1332670"/>
+          </a:xfrm>
+        </p:grpSpPr>
+        <p:sp>
+          <p:nvSpPr>
+            <p:cNvPr id="13" name="文本框 12">
+              <a:extLst>
+                <a:ext uri="{FF2B5EF4-FFF2-40B4-BE49-F238E27FC236}">
+                  <a16:creationId xmlns:a16="http://schemas.microsoft.com/office/drawing/2014/main" id="{3C603EEC-3A64-460B-B305-1AA78B961A8F}"/>
+                </a:ext>
+              </a:extLst>
+            </p:cNvPr>
+            <p:cNvSpPr txBox="1"/>
+            <p:nvPr/>
+          </p:nvSpPr>
+          <p:spPr>
+            <a:xfrm>
+              <a:off x="766717" y="3877797"/>
+              <a:ext cx="2028417" cy="463846"/>
+            </a:xfrm>
+            <a:prstGeom prst="rect">
+              <a:avLst/>
+            </a:prstGeom>
+            <a:noFill/>
+          </p:spPr>
+          <p:txBody>
+            <a:bodyPr wrap="none" lIns="90000" tIns="46800" rIns="90000" bIns="46800" rtlCol="0">
+              <a:spAutoFit/>
+            </a:bodyPr>
+            <a:lstStyle/>
+            <a:p>
+              <a:pPr marL="0" marR="0" indent="0" algn="l" defTabSz="914400" rtl="0" eaLnBrk="1" fontAlgn="auto" latinLnBrk="0" hangingPunct="1">
+                <a:lnSpc>
+                  <a:spcPct val="100000"/>
+                </a:lnSpc>
+                <a:spcBef>
+                  <a:spcPts val="0"/>
+                </a:spcBef>
+                <a:spcAft>
+                  <a:spcPts val="0"/>
+                </a:spcAft>
+                <a:buClrTx/>
+                <a:buSzTx/>
+                <a:buFontTx/>
+                <a:buNone/>
+                <a:tabLst/>
+              </a:pPr>
+              <a:r>
+                <a:rPr lang="zh-CN" altLang="en-US" sz="2400" dirty="0">
+                  <a:solidFill>
+                    <a:srgbClr val="026EFF"/>
+                  </a:solidFill>
+                  <a:latin typeface="HarmonyOS Sans SC Black" panose="00000A00000000000000" pitchFamily="2" charset="-122"/>
+                  <a:ea typeface="HarmonyOS Sans SC Black" panose="00000A00000000000000" pitchFamily="2" charset="-122"/>
+                </a:rPr>
+                <a:t>问题反馈说明</a:t>
+              </a:r>
+              <a:endParaRPr kumimoji="0" lang="zh-CN" altLang="en-US" sz="2400" b="0" i="0" u="none" strike="noStrike" kern="1200" cap="none" spc="0" normalizeH="0" baseline="0" noProof="0" dirty="0">
+                <a:ln>
+                  <a:noFill/>
+                </a:ln>
+                <a:solidFill>
+                  <a:srgbClr val="026EFF"/>
+                </a:solidFill>
+                <a:effectLst/>
+                <a:uLnTx/>
+                <a:uFillTx/>
+                <a:latin typeface="HarmonyOS Sans SC Black" panose="00000A00000000000000" pitchFamily="2" charset="-122"/>
+                <a:ea typeface="HarmonyOS Sans SC Black" panose="00000A00000000000000" pitchFamily="2" charset="-122"/>
+              </a:endParaRPr>
+            </a:p>
+          </p:txBody>
+        </p:sp>
+        <p:sp>
+          <p:nvSpPr>
+            <p:cNvPr id="14" name="文本框 13">
+              <a:extLst>
+                <a:ext uri="{FF2B5EF4-FFF2-40B4-BE49-F238E27FC236}">
+                  <a16:creationId xmlns:a16="http://schemas.microsoft.com/office/drawing/2014/main" id="{A47823E3-0060-4598-8EC9-9DBF1CE046E0}"/>
+                </a:ext>
+              </a:extLst>
+            </p:cNvPr>
+            <p:cNvSpPr txBox="1"/>
+            <p:nvPr/>
+          </p:nvSpPr>
+          <p:spPr>
+            <a:xfrm>
+              <a:off x="766717" y="4377289"/>
+              <a:ext cx="10826188" cy="833178"/>
+            </a:xfrm>
+            <a:prstGeom prst="rect">
+              <a:avLst/>
+            </a:prstGeom>
+            <a:noFill/>
+          </p:spPr>
+          <p:txBody>
+            <a:bodyPr wrap="square" lIns="90000" tIns="46800" rIns="90000" bIns="46800" rtlCol="0">
+              <a:spAutoFit/>
+            </a:bodyPr>
+            <a:lstStyle/>
+            <a:p>
+              <a:pPr marL="0" marR="0" indent="0" algn="l" defTabSz="914400" rtl="0" eaLnBrk="1" fontAlgn="auto" latinLnBrk="0" hangingPunct="1">
+                <a:lnSpc>
+                  <a:spcPct val="100000"/>
+                </a:lnSpc>
+                <a:spcBef>
+                  <a:spcPts val="0"/>
+                </a:spcBef>
+                <a:spcAft>
+                  <a:spcPts val="0"/>
+                </a:spcAft>
+                <a:buClrTx/>
+                <a:buSzTx/>
+                <a:buFontTx/>
+                <a:buNone/>
+                <a:tabLst/>
+              </a:pPr>
+              <a:r>
+                <a:rPr lang="zh-CN" altLang="en-US" sz="1600" dirty="0">
+                  <a:latin typeface="+mn-ea"/>
+                </a:rPr>
+                <a:t>前往</a:t>
+              </a:r>
+              <a:r>
+                <a:rPr lang="af-ZA" altLang="zh-CN" sz="1600" dirty="0">
+                  <a:solidFill>
+                    <a:srgbClr val="026EFF"/>
+                  </a:solidFill>
+                  <a:hlinkClick r:id="rId4">
+                    <a:extLst>
+                      <a:ext uri="{A12FA001-AC4F-418D-AE19-62706E023703}">
+                        <ahyp:hlinkClr xmlns:ahyp="http://schemas.microsoft.com/office/drawing/2018/hyperlinkcolor" val="tx"/>
+                      </a:ext>
+                    </a:extLst>
+                  </a:hlinkClick>
+                </a:rPr>
+                <a:t>Litmus OS – PRIDEPLAYER</a:t>
+              </a:r>
+              <a:r>
+                <a:rPr lang="zh-CN" altLang="en-US" sz="1600" dirty="0"/>
+                <a:t>这个用户社区以反馈问题。</a:t>
+              </a:r>
+              <a:endParaRPr lang="en-US" altLang="zh-CN" sz="1600" dirty="0"/>
+            </a:p>
+            <a:p>
+              <a:pPr marL="0" marR="0" indent="0" algn="l" defTabSz="914400" rtl="0" eaLnBrk="1" fontAlgn="auto" latinLnBrk="0" hangingPunct="1">
+                <a:lnSpc>
+                  <a:spcPct val="100000"/>
+                </a:lnSpc>
+                <a:spcBef>
+                  <a:spcPts val="0"/>
+                </a:spcBef>
+                <a:spcAft>
+                  <a:spcPts val="0"/>
+                </a:spcAft>
+                <a:buClrTx/>
+                <a:buSzTx/>
+                <a:buFontTx/>
+                <a:buNone/>
+                <a:tabLst/>
+              </a:pPr>
+              <a:r>
+                <a:rPr lang="zh-CN" altLang="en-US" sz="1600" dirty="0">
+                  <a:latin typeface="+mn-ea"/>
+                </a:rPr>
+                <a:t>前往</a:t>
+              </a:r>
+              <a:r>
+                <a:rPr lang="en-US" altLang="zh-CN" sz="1600" dirty="0">
+                  <a:solidFill>
+                    <a:srgbClr val="026EFF"/>
+                  </a:solidFill>
+                  <a:hlinkClick r:id="rId5">
+                    <a:extLst>
+                      <a:ext uri="{A12FA001-AC4F-418D-AE19-62706E023703}">
+                        <ahyp:hlinkClr xmlns:ahyp="http://schemas.microsoft.com/office/drawing/2018/hyperlinkcolor" val="tx"/>
+                      </a:ext>
+                    </a:extLst>
+                  </a:hlinkClick>
+                </a:rPr>
+                <a:t>Issues · PRIDEPLAYER-COMMUNITY/Litmus-OS-Neptune (github.com)</a:t>
+              </a:r>
+              <a:r>
+                <a:rPr lang="zh-CN" altLang="en-US" sz="1600" dirty="0"/>
+                <a:t>这个开发者社区以反馈问题。</a:t>
+              </a:r>
+              <a:endParaRPr lang="en-US" altLang="zh-CN" sz="1600" dirty="0"/>
+            </a:p>
+            <a:p>
+              <a:pPr marL="0" marR="0" indent="0" algn="l" defTabSz="914400" rtl="0" eaLnBrk="1" fontAlgn="auto" latinLnBrk="0" hangingPunct="1">
+                <a:lnSpc>
+                  <a:spcPct val="100000"/>
+                </a:lnSpc>
+                <a:spcBef>
+                  <a:spcPts val="0"/>
+                </a:spcBef>
+                <a:spcAft>
+                  <a:spcPts val="0"/>
+                </a:spcAft>
+                <a:buClrTx/>
+                <a:buSzTx/>
+                <a:buFontTx/>
+                <a:buNone/>
+                <a:tabLst/>
+              </a:pPr>
+              <a:r>
+                <a:rPr lang="zh-CN" altLang="en-US" sz="1600" dirty="0">
+                  <a:latin typeface="+mn-ea"/>
+                </a:rPr>
+                <a:t>除此两个渠道外，没有其他反馈方式。其他地方的反馈都不会被看见。</a:t>
+              </a:r>
+              <a:endParaRPr lang="en-US" altLang="zh-CN" sz="1600" dirty="0">
+                <a:latin typeface="+mn-ea"/>
+              </a:endParaRPr>
+            </a:p>
+          </p:txBody>
+        </p:sp>
+      </p:grpSp>
     </p:spTree>
     <p:extLst>
       <p:ext uri="{BB962C8B-B14F-4D97-AF65-F5344CB8AC3E}">
-        <p14:creationId xmlns:p14="http://schemas.microsoft.com/office/powerpoint/2010/main" val="22544409"/>
+        <p14:creationId xmlns:p14="http://schemas.microsoft.com/office/powerpoint/2010/main" val="2376029829"/>
       </p:ext>
     </p:extLst>
   </p:cSld>
@@ -12890,18 +12931,18 @@
 </file>
 
 <file path=customXml/item1.xml><?xml version="1.0" encoding="utf-8"?>
-<p:properties xmlns:p="http://schemas.microsoft.com/office/2006/metadata/properties" xmlns:xsi="http://www.w3.org/2001/XMLSchema-instance" xmlns:pc="http://schemas.microsoft.com/office/infopath/2007/PartnerControls">
-  <documentManagement/>
-</p:properties>
-</file>
-
-<file path=customXml/item2.xml><?xml version="1.0" encoding="utf-8"?>
 <?mso-contentType ?>
 <FormTemplates xmlns="http://schemas.microsoft.com/sharepoint/v3/contenttype/forms">
   <Display>DocumentLibraryForm</Display>
   <Edit>DocumentLibraryForm</Edit>
   <New>DocumentLibraryForm</New>
 </FormTemplates>
+</file>
+
+<file path=customXml/item2.xml><?xml version="1.0" encoding="utf-8"?>
+<p:properties xmlns:p="http://schemas.microsoft.com/office/2006/metadata/properties" xmlns:xsi="http://www.w3.org/2001/XMLSchema-instance" xmlns:pc="http://schemas.microsoft.com/office/infopath/2007/PartnerControls">
+  <documentManagement/>
+</p:properties>
 </file>
 
 <file path=customXml/item3.xml><?xml version="1.0" encoding="utf-8"?>
@@ -13037,6 +13078,14 @@
 </file>
 
 <file path=customXml/itemProps1.xml><?xml version="1.0" encoding="utf-8"?>
+<ds:datastoreItem xmlns:ds="http://schemas.openxmlformats.org/officeDocument/2006/customXml" ds:itemID="{98CDACAB-EFFD-4E9F-A3BE-F2E26DDDFA35}">
+  <ds:schemaRefs>
+    <ds:schemaRef ds:uri="http://schemas.microsoft.com/sharepoint/v3/contenttype/forms"/>
+  </ds:schemaRefs>
+</ds:datastoreItem>
+</file>
+
+<file path=customXml/itemProps2.xml><?xml version="1.0" encoding="utf-8"?>
 <ds:datastoreItem xmlns:ds="http://schemas.openxmlformats.org/officeDocument/2006/customXml" ds:itemID="{3A2DE8D7-826E-4835-86F9-3A13949399C6}">
   <ds:schemaRefs>
     <ds:schemaRef ds:uri="http://purl.org/dc/terms/"/>
@@ -13048,14 +13097,6 @@
     <ds:schemaRef ds:uri="15cd7e07-3324-4b56-98dd-d48dc1a7a9a6"/>
     <ds:schemaRef ds:uri="http://www.w3.org/XML/1998/namespace"/>
     <ds:schemaRef ds:uri="http://purl.org/dc/dcmitype/"/>
-  </ds:schemaRefs>
-</ds:datastoreItem>
-</file>
-
-<file path=customXml/itemProps2.xml><?xml version="1.0" encoding="utf-8"?>
-<ds:datastoreItem xmlns:ds="http://schemas.openxmlformats.org/officeDocument/2006/customXml" ds:itemID="{98CDACAB-EFFD-4E9F-A3BE-F2E26DDDFA35}">
-  <ds:schemaRefs>
-    <ds:schemaRef ds:uri="http://schemas.microsoft.com/sharepoint/v3/contenttype/forms"/>
   </ds:schemaRefs>
 </ds:datastoreItem>
 </file>

--- a/ooobe.pptx
+++ b/ooobe.pptx
@@ -241,7 +241,7 @@
           <a:p>
             <a:fld id="{C724EDB4-8B74-413E-B530-F9032364F112}" type="datetimeFigureOut">
               <a:rPr lang="zh-CN" altLang="en-US" smtClean="0"/>
-              <a:t>2022/2/7</a:t>
+              <a:t>2022/2/10</a:t>
             </a:fld>
             <a:endParaRPr lang="zh-CN" altLang="en-US"/>
           </a:p>
@@ -1432,7 +1432,7 @@
                 <a:rPr lang="en-US" altLang="zh-CN" sz="1600" dirty="0">
                   <a:latin typeface="+mn-ea"/>
                 </a:rPr>
-                <a:t>220207-01</a:t>
+                <a:t>220210-01</a:t>
               </a:r>
             </a:p>
             <a:p>
@@ -1540,7 +1540,15 @@
               </a:r>
               <a:r>
                 <a:rPr lang="zh-CN" altLang="en-US" sz="1600" dirty="0"/>
-                <a:t>种），如果不是，请在上面的链接中下载最新版。</a:t>
+                <a:t>中</a:t>
+              </a:r>
+              <a:r>
+                <a:rPr lang="zh-CN" altLang="en-US" sz="1600"/>
+                <a:t>），</a:t>
+              </a:r>
+              <a:r>
+                <a:rPr lang="zh-CN" altLang="en-US" sz="1600" dirty="0"/>
+                <a:t>如果不是，请在上面的链接中下载最新版。</a:t>
               </a:r>
               <a:endParaRPr lang="en-US" altLang="zh-CN" sz="1600" dirty="0"/>
             </a:p>
@@ -12931,21 +12939,6 @@
 </file>
 
 <file path=customXml/item1.xml><?xml version="1.0" encoding="utf-8"?>
-<?mso-contentType ?>
-<FormTemplates xmlns="http://schemas.microsoft.com/sharepoint/v3/contenttype/forms">
-  <Display>DocumentLibraryForm</Display>
-  <Edit>DocumentLibraryForm</Edit>
-  <New>DocumentLibraryForm</New>
-</FormTemplates>
-</file>
-
-<file path=customXml/item2.xml><?xml version="1.0" encoding="utf-8"?>
-<p:properties xmlns:p="http://schemas.microsoft.com/office/2006/metadata/properties" xmlns:xsi="http://www.w3.org/2001/XMLSchema-instance" xmlns:pc="http://schemas.microsoft.com/office/infopath/2007/PartnerControls">
-  <documentManagement/>
-</p:properties>
-</file>
-
-<file path=customXml/item3.xml><?xml version="1.0" encoding="utf-8"?>
 <ct:contentTypeSchema xmlns:ct="http://schemas.microsoft.com/office/2006/metadata/contentType" xmlns:ma="http://schemas.microsoft.com/office/2006/metadata/properties/metaAttributes" ct:_="" ma:_="" ma:contentTypeName="Document" ma:contentTypeID="0x0101002AA4D7E5AD0F5B42840812531506AF67" ma:contentTypeVersion="2" ma:contentTypeDescription="Create a new document." ma:contentTypeScope="" ma:versionID="59a8a12be96250d666b59e8d42e67dc0">
   <xsd:schema xmlns:xsd="http://www.w3.org/2001/XMLSchema" xmlns:xs="http://www.w3.org/2001/XMLSchema" xmlns:p="http://schemas.microsoft.com/office/2006/metadata/properties" xmlns:ns3="15cd7e07-3324-4b56-98dd-d48dc1a7a9a6" targetNamespace="http://schemas.microsoft.com/office/2006/metadata/properties" ma:root="true" ma:fieldsID="807e8ddba400f981f2267b1739d6e90e" ns3:_="">
     <xsd:import namespace="15cd7e07-3324-4b56-98dd-d48dc1a7a9a6"/>
@@ -13077,10 +13070,35 @@
 </ct:contentTypeSchema>
 </file>
 
+<file path=customXml/item2.xml><?xml version="1.0" encoding="utf-8"?>
+<p:properties xmlns:p="http://schemas.microsoft.com/office/2006/metadata/properties" xmlns:xsi="http://www.w3.org/2001/XMLSchema-instance" xmlns:pc="http://schemas.microsoft.com/office/infopath/2007/PartnerControls">
+  <documentManagement/>
+</p:properties>
+</file>
+
+<file path=customXml/item3.xml><?xml version="1.0" encoding="utf-8"?>
+<?mso-contentType ?>
+<FormTemplates xmlns="http://schemas.microsoft.com/sharepoint/v3/contenttype/forms">
+  <Display>DocumentLibraryForm</Display>
+  <Edit>DocumentLibraryForm</Edit>
+  <New>DocumentLibraryForm</New>
+</FormTemplates>
+</file>
+
 <file path=customXml/itemProps1.xml><?xml version="1.0" encoding="utf-8"?>
-<ds:datastoreItem xmlns:ds="http://schemas.openxmlformats.org/officeDocument/2006/customXml" ds:itemID="{98CDACAB-EFFD-4E9F-A3BE-F2E26DDDFA35}">
+<ds:datastoreItem xmlns:ds="http://schemas.openxmlformats.org/officeDocument/2006/customXml" ds:itemID="{7FECCB62-C48E-40BE-9B06-26A4700A9BBE}">
   <ds:schemaRefs>
-    <ds:schemaRef ds:uri="http://schemas.microsoft.com/sharepoint/v3/contenttype/forms"/>
+    <ds:schemaRef ds:uri="http://schemas.microsoft.com/office/2006/metadata/contentType"/>
+    <ds:schemaRef ds:uri="http://schemas.microsoft.com/office/2006/metadata/properties/metaAttributes"/>
+    <ds:schemaRef ds:uri="http://www.w3.org/2001/XMLSchema"/>
+    <ds:schemaRef ds:uri="http://schemas.microsoft.com/office/2006/metadata/properties"/>
+    <ds:schemaRef ds:uri="15cd7e07-3324-4b56-98dd-d48dc1a7a9a6"/>
+    <ds:schemaRef ds:uri="http://schemas.microsoft.com/office/2006/documentManagement/types"/>
+    <ds:schemaRef ds:uri="http://schemas.microsoft.com/office/infopath/2007/PartnerControls"/>
+    <ds:schemaRef ds:uri="http://schemas.openxmlformats.org/package/2006/metadata/core-properties"/>
+    <ds:schemaRef ds:uri="http://purl.org/dc/elements/1.1/"/>
+    <ds:schemaRef ds:uri="http://purl.org/dc/terms/"/>
+    <ds:schemaRef ds:uri="http://schemas.microsoft.com/internal/obd"/>
   </ds:schemaRefs>
 </ds:datastoreItem>
 </file>
@@ -13102,19 +13120,9 @@
 </file>
 
 <file path=customXml/itemProps3.xml><?xml version="1.0" encoding="utf-8"?>
-<ds:datastoreItem xmlns:ds="http://schemas.openxmlformats.org/officeDocument/2006/customXml" ds:itemID="{7FECCB62-C48E-40BE-9B06-26A4700A9BBE}">
+<ds:datastoreItem xmlns:ds="http://schemas.openxmlformats.org/officeDocument/2006/customXml" ds:itemID="{98CDACAB-EFFD-4E9F-A3BE-F2E26DDDFA35}">
   <ds:schemaRefs>
-    <ds:schemaRef ds:uri="http://schemas.microsoft.com/office/2006/metadata/contentType"/>
-    <ds:schemaRef ds:uri="http://schemas.microsoft.com/office/2006/metadata/properties/metaAttributes"/>
-    <ds:schemaRef ds:uri="http://www.w3.org/2001/XMLSchema"/>
-    <ds:schemaRef ds:uri="http://schemas.microsoft.com/office/2006/metadata/properties"/>
-    <ds:schemaRef ds:uri="15cd7e07-3324-4b56-98dd-d48dc1a7a9a6"/>
-    <ds:schemaRef ds:uri="http://schemas.microsoft.com/office/2006/documentManagement/types"/>
-    <ds:schemaRef ds:uri="http://schemas.microsoft.com/office/infopath/2007/PartnerControls"/>
-    <ds:schemaRef ds:uri="http://schemas.openxmlformats.org/package/2006/metadata/core-properties"/>
-    <ds:schemaRef ds:uri="http://purl.org/dc/elements/1.1/"/>
-    <ds:schemaRef ds:uri="http://purl.org/dc/terms/"/>
-    <ds:schemaRef ds:uri="http://schemas.microsoft.com/internal/obd"/>
+    <ds:schemaRef ds:uri="http://schemas.microsoft.com/sharepoint/v3/contenttype/forms"/>
   </ds:schemaRefs>
 </ds:datastoreItem>
 </file>
--- a/ooobe.pptx
+++ b/ooobe.pptx
@@ -241,7 +241,7 @@
           <a:p>
             <a:fld id="{C724EDB4-8B74-413E-B530-F9032364F112}" type="datetimeFigureOut">
               <a:rPr lang="zh-CN" altLang="en-US" smtClean="0"/>
-              <a:t>2022/2/10</a:t>
+              <a:t>2022/3/19</a:t>
             </a:fld>
             <a:endParaRPr lang="zh-CN" altLang="en-US"/>
           </a:p>
@@ -1203,6 +1203,14 @@
 <file path=ppt/slides/slide1.xml><?xml version="1.0" encoding="utf-8"?>
 <p:sld xmlns:a="http://schemas.openxmlformats.org/drawingml/2006/main" xmlns:r="http://schemas.openxmlformats.org/officeDocument/2006/relationships" xmlns:p="http://schemas.openxmlformats.org/presentationml/2006/main">
   <p:cSld>
+    <p:bg>
+      <p:bgPr>
+        <a:solidFill>
+          <a:schemeClr val="bg1"/>
+        </a:solidFill>
+        <a:effectLst/>
+      </p:bgPr>
+    </p:bg>
     <p:spTree>
       <p:nvGrpSpPr>
         <p:cNvPr id="1" name=""/>
@@ -1265,7 +1273,7 @@
             </a:bodyPr>
             <a:lstStyle/>
             <a:p>
-              <a:pPr marL="0" marR="0" indent="0" algn="l" defTabSz="914400" rtl="0" eaLnBrk="1" fontAlgn="auto" latinLnBrk="0" hangingPunct="1">
+              <a:pPr marL="0" marR="0" lvl="0" indent="0" algn="l" defTabSz="914400" rtl="0" eaLnBrk="1" fontAlgn="auto" latinLnBrk="0" hangingPunct="1">
                 <a:lnSpc>
                   <a:spcPct val="100000"/>
                 </a:lnSpc>
@@ -1280,6 +1288,7 @@
                 <a:buFontTx/>
                 <a:buNone/>
                 <a:tabLst/>
+                <a:defRPr/>
               </a:pPr>
               <a:r>
                 <a:rPr kumimoji="0" lang="zh-CN" altLang="en-US" sz="2400" b="0" i="0" u="none" strike="noStrike" kern="1200" cap="none" spc="0" normalizeH="0" baseline="0" noProof="0" dirty="0">
@@ -1294,6 +1303,7 @@
                   <a:uFillTx/>
                   <a:latin typeface="HarmonyOS Sans SC Black" panose="00000A00000000000000" pitchFamily="2" charset="-122"/>
                   <a:ea typeface="HarmonyOS Sans SC Black" panose="00000A00000000000000" pitchFamily="2" charset="-122"/>
+                  <a:cs typeface="+mn-cs"/>
                 </a:rPr>
                 <a:t>开发版说明</a:t>
               </a:r>
@@ -1328,7 +1338,7 @@
             </a:bodyPr>
             <a:lstStyle/>
             <a:p>
-              <a:pPr marL="0" marR="0" indent="0" algn="l" defTabSz="914400" rtl="0" eaLnBrk="1" fontAlgn="auto" latinLnBrk="0" hangingPunct="1">
+              <a:pPr marL="0" marR="0" lvl="0" indent="0" algn="l" defTabSz="914400" rtl="0" eaLnBrk="1" fontAlgn="auto" latinLnBrk="0" hangingPunct="1">
                 <a:lnSpc>
                   <a:spcPct val="100000"/>
                 </a:lnSpc>
@@ -1343,31 +1353,42 @@
                 <a:buFontTx/>
                 <a:buNone/>
                 <a:tabLst/>
+                <a:defRPr/>
               </a:pPr>
               <a:r>
                 <a:rPr kumimoji="0" lang="zh-CN" altLang="en-US" sz="1600" b="0" i="0" u="none" strike="noStrike" kern="1200" cap="none" spc="0" normalizeH="0" baseline="0" noProof="0" dirty="0">
                   <a:ln>
                     <a:noFill/>
                   </a:ln>
+                  <a:solidFill>
+                    <a:prstClr val="black"/>
+                  </a:solidFill>
                   <a:effectLst/>
                   <a:uLnTx/>
                   <a:uFillTx/>
-                  <a:latin typeface="+mn-ea"/>
+                  <a:latin typeface="HarmonyOS Sans SC"/>
+                  <a:ea typeface="HarmonyOS Sans SC"/>
+                  <a:cs typeface="+mn-cs"/>
                 </a:rPr>
-                <a:t>当前版本是</a:t>
+                <a:t>当前版本是开发版本，还在开发中。任何地方都可能出现问题，请注意。</a:t>
               </a:r>
-              <a:r>
-                <a:rPr lang="zh-CN" altLang="en-US" sz="1600" dirty="0">
-                  <a:latin typeface="+mn-ea"/>
-                </a:rPr>
-                <a:t>开发版本，还在开发中。任何地方都可能出现问题，请注意。</a:t>
-              </a:r>
-              <a:endParaRPr lang="en-US" altLang="zh-CN" sz="1600" dirty="0">
-                <a:latin typeface="+mn-ea"/>
+              <a:endParaRPr kumimoji="0" lang="en-US" altLang="zh-CN" sz="1600" b="0" i="0" u="none" strike="noStrike" kern="1200" cap="none" spc="0" normalizeH="0" baseline="0" noProof="0" dirty="0">
+                <a:ln>
+                  <a:noFill/>
+                </a:ln>
+                <a:solidFill>
+                  <a:prstClr val="black"/>
+                </a:solidFill>
+                <a:effectLst/>
+                <a:uLnTx/>
+                <a:uFillTx/>
+                <a:latin typeface="HarmonyOS Sans SC"/>
+                <a:ea typeface="HarmonyOS Sans SC"/>
+                <a:cs typeface="+mn-cs"/>
               </a:endParaRPr>
             </a:p>
             <a:p>
-              <a:pPr marL="0" marR="0" indent="0" algn="l" defTabSz="914400" rtl="0" eaLnBrk="1" fontAlgn="auto" latinLnBrk="0" hangingPunct="1">
+              <a:pPr marL="0" marR="0" lvl="0" indent="0" algn="l" defTabSz="914400" rtl="0" eaLnBrk="1" fontAlgn="auto" latinLnBrk="0" hangingPunct="1">
                 <a:lnSpc>
                   <a:spcPct val="100000"/>
                 </a:lnSpc>
@@ -1382,19 +1403,42 @@
                 <a:buFontTx/>
                 <a:buNone/>
                 <a:tabLst/>
+                <a:defRPr/>
               </a:pPr>
               <a:r>
-                <a:rPr lang="zh-CN" altLang="en-US" sz="1600" dirty="0">
-                  <a:latin typeface="+mn-ea"/>
+                <a:rPr kumimoji="0" lang="zh-CN" altLang="en-US" sz="1600" b="0" i="0" u="none" strike="noStrike" kern="1200" cap="none" spc="0" normalizeH="0" baseline="0" noProof="0" dirty="0">
+                  <a:ln>
+                    <a:noFill/>
+                  </a:ln>
+                  <a:solidFill>
+                    <a:prstClr val="black"/>
+                  </a:solidFill>
+                  <a:effectLst/>
+                  <a:uLnTx/>
+                  <a:uFillTx/>
+                  <a:latin typeface="HarmonyOS Sans SC"/>
+                  <a:ea typeface="HarmonyOS Sans SC"/>
+                  <a:cs typeface="+mn-cs"/>
                 </a:rPr>
                 <a:t>由于应用尚未全部制作完毕，超链接仍旧无法制作，因此大部分本该出现的任务栏在开发版中没有，等待所有应用完成后制作超链接；设置中一些设置项暂时未制作。</a:t>
               </a:r>
-              <a:endParaRPr lang="en-US" altLang="zh-CN" sz="1600" dirty="0">
-                <a:latin typeface="+mn-ea"/>
+              <a:endParaRPr kumimoji="0" lang="en-US" altLang="zh-CN" sz="1600" b="0" i="0" u="none" strike="noStrike" kern="1200" cap="none" spc="0" normalizeH="0" baseline="0" noProof="0" dirty="0">
+                <a:ln>
+                  <a:noFill/>
+                </a:ln>
+                <a:solidFill>
+                  <a:prstClr val="black"/>
+                </a:solidFill>
+                <a:effectLst/>
+                <a:uLnTx/>
+                <a:uFillTx/>
+                <a:latin typeface="HarmonyOS Sans SC"/>
+                <a:ea typeface="HarmonyOS Sans SC"/>
+                <a:cs typeface="+mn-cs"/>
               </a:endParaRPr>
             </a:p>
             <a:p>
-              <a:pPr marL="0" marR="0" indent="0" algn="l" defTabSz="914400" rtl="0" eaLnBrk="1" fontAlgn="auto" latinLnBrk="0" hangingPunct="1">
+              <a:pPr marL="0" marR="0" lvl="0" indent="0" algn="l" defTabSz="914400" rtl="0" eaLnBrk="1" fontAlgn="auto" latinLnBrk="0" hangingPunct="1">
                 <a:lnSpc>
                   <a:spcPct val="100000"/>
                 </a:lnSpc>
@@ -1409,34 +1453,45 @@
                 <a:buFontTx/>
                 <a:buNone/>
                 <a:tabLst/>
+                <a:defRPr/>
               </a:pPr>
               <a:r>
                 <a:rPr kumimoji="0" lang="zh-CN" altLang="en-US" sz="1600" b="0" i="0" u="none" strike="noStrike" kern="1200" cap="none" spc="0" normalizeH="0" baseline="0" noProof="0" dirty="0">
                   <a:ln>
                     <a:noFill/>
                   </a:ln>
+                  <a:solidFill>
+                    <a:prstClr val="black"/>
+                  </a:solidFill>
                   <a:effectLst/>
                   <a:uLnTx/>
                   <a:uFillTx/>
-                  <a:latin typeface="+mn-ea"/>
+                  <a:latin typeface="HarmonyOS Sans SC"/>
+                  <a:ea typeface="HarmonyOS Sans SC"/>
+                  <a:cs typeface="+mn-cs"/>
                 </a:rPr>
-                <a:t>当前开发</a:t>
+                <a:t>当前开发版本：</a:t>
               </a:r>
               <a:r>
-                <a:rPr lang="zh-CN" altLang="en-US" sz="1600" dirty="0">
-                  <a:latin typeface="+mn-ea"/>
+                <a:rPr kumimoji="0" lang="en-US" altLang="zh-CN" sz="1600" b="0" i="0" u="none" strike="noStrike" kern="1200" cap="none" spc="0" normalizeH="0" baseline="0" noProof="0" dirty="0">
+                  <a:ln>
+                    <a:noFill/>
+                  </a:ln>
+                  <a:solidFill>
+                    <a:prstClr val="black"/>
+                  </a:solidFill>
+                  <a:effectLst/>
+                  <a:uLnTx/>
+                  <a:uFillTx/>
+                  <a:latin typeface="HarmonyOS Sans SC"/>
+                  <a:ea typeface="HarmonyOS Sans SC"/>
+                  <a:cs typeface="+mn-cs"/>
                 </a:rPr>
-                <a:t>版本：</a:t>
-              </a:r>
-              <a:r>
-                <a:rPr lang="en-US" altLang="zh-CN" sz="1600" dirty="0">
-                  <a:latin typeface="+mn-ea"/>
-                </a:rPr>
-                <a:t>220210-01</a:t>
+                <a:t>220319-01</a:t>
               </a:r>
             </a:p>
             <a:p>
-              <a:pPr marL="0" marR="0" indent="0" algn="l" defTabSz="914400" rtl="0" eaLnBrk="1" fontAlgn="auto" latinLnBrk="0" hangingPunct="1">
+              <a:pPr marL="0" marR="0" lvl="0" indent="0" algn="l" defTabSz="914400" rtl="0" eaLnBrk="1" fontAlgn="auto" latinLnBrk="0" hangingPunct="1">
                 <a:lnSpc>
                   <a:spcPct val="100000"/>
                 </a:lnSpc>
@@ -1451,30 +1506,73 @@
                 <a:buFontTx/>
                 <a:buNone/>
                 <a:tabLst/>
+                <a:defRPr/>
               </a:pPr>
               <a:r>
-                <a:rPr lang="zh-CN" altLang="en-US" sz="1600" dirty="0">
-                  <a:latin typeface="+mn-ea"/>
+                <a:rPr kumimoji="0" lang="zh-CN" altLang="en-US" sz="1600" b="0" i="0" u="none" strike="noStrike" kern="1200" cap="none" spc="0" normalizeH="0" baseline="0" noProof="0" dirty="0">
+                  <a:ln>
+                    <a:noFill/>
+                  </a:ln>
+                  <a:solidFill>
+                    <a:prstClr val="black"/>
+                  </a:solidFill>
+                  <a:effectLst/>
+                  <a:uLnTx/>
+                  <a:uFillTx/>
+                  <a:latin typeface="HarmonyOS Sans SC"/>
+                  <a:ea typeface="HarmonyOS Sans SC"/>
+                  <a:cs typeface="+mn-cs"/>
                 </a:rPr>
                 <a:t>在开始使用</a:t>
               </a:r>
               <a:r>
-                <a:rPr lang="en-US" altLang="zh-CN" sz="1600" dirty="0">
-                  <a:latin typeface="+mn-ea"/>
+                <a:rPr kumimoji="0" lang="en-US" altLang="zh-CN" sz="1600" b="0" i="0" u="none" strike="noStrike" kern="1200" cap="none" spc="0" normalizeH="0" baseline="0" noProof="0" dirty="0">
+                  <a:ln>
+                    <a:noFill/>
+                  </a:ln>
+                  <a:solidFill>
+                    <a:prstClr val="black"/>
+                  </a:solidFill>
+                  <a:effectLst/>
+                  <a:uLnTx/>
+                  <a:uFillTx/>
+                  <a:latin typeface="HarmonyOS Sans SC"/>
+                  <a:ea typeface="HarmonyOS Sans SC"/>
+                  <a:cs typeface="+mn-cs"/>
                 </a:rPr>
                 <a:t>/</a:t>
               </a:r>
               <a:r>
-                <a:rPr lang="zh-CN" altLang="en-US" sz="1600" dirty="0">
-                  <a:latin typeface="+mn-ea"/>
+                <a:rPr kumimoji="0" lang="zh-CN" altLang="en-US" sz="1600" b="0" i="0" u="none" strike="noStrike" kern="1200" cap="none" spc="0" normalizeH="0" baseline="0" noProof="0" dirty="0">
+                  <a:ln>
+                    <a:noFill/>
+                  </a:ln>
+                  <a:solidFill>
+                    <a:prstClr val="black"/>
+                  </a:solidFill>
+                  <a:effectLst/>
+                  <a:uLnTx/>
+                  <a:uFillTx/>
+                  <a:latin typeface="HarmonyOS Sans SC"/>
+                  <a:ea typeface="HarmonyOS Sans SC"/>
+                  <a:cs typeface="+mn-cs"/>
                 </a:rPr>
                 <a:t>开发前，请前往</a:t>
               </a:r>
               <a:r>
-                <a:rPr lang="af-ZA" altLang="zh-CN" sz="1600" dirty="0">
+                <a:rPr kumimoji="0" lang="af-ZA" altLang="zh-CN" sz="1600" b="0" i="0" u="none" strike="noStrike" kern="1200" cap="none" spc="0" normalizeH="0" baseline="0" noProof="0" dirty="0">
+                  <a:ln>
+                    <a:noFill/>
+                  </a:ln>
                   <a:solidFill>
                     <a:srgbClr val="026EFF"/>
                   </a:solidFill>
+                  <a:effectLst/>
+                  <a:uLnTx/>
+                  <a:uFillTx/>
+                  <a:latin typeface="HarmonyOS Sans SC"/>
+                  <a:ea typeface="HarmonyOS Sans SC"/>
+                  <a:cs typeface="+mn-cs"/>
                   <a:hlinkClick r:id="rId2">
                     <a:extLst>
                       <a:ext uri="{A12FA001-AC4F-418D-AE19-62706E023703}">
@@ -1483,13 +1581,22 @@
                     </a:extLst>
                   </a:hlinkClick>
                 </a:rPr>
-                <a:t>PRIDEPLAYER-COMMUNITY/Litmus-OS-Neptune: </a:t>
+                <a:t>GitHub</a:t>
               </a:r>
               <a:r>
-                <a:rPr lang="zh-CN" altLang="en-US" sz="1600" dirty="0">
+                <a:rPr kumimoji="0" lang="zh-CN" altLang="en-US" sz="1600" b="0" i="0" u="none" strike="noStrike" kern="1200" cap="none" spc="0" normalizeH="0" baseline="0" noProof="0" dirty="0">
+                  <a:ln>
+                    <a:noFill/>
+                  </a:ln>
                   <a:solidFill>
                     <a:srgbClr val="026EFF"/>
                   </a:solidFill>
+                  <a:effectLst/>
+                  <a:uLnTx/>
+                  <a:uFillTx/>
+                  <a:latin typeface="HarmonyOS Sans SC"/>
+                  <a:ea typeface="HarmonyOS Sans SC"/>
+                  <a:cs typeface="+mn-cs"/>
                   <a:hlinkClick r:id="rId2">
                     <a:extLst>
                       <a:ext uri="{A12FA001-AC4F-418D-AE19-62706E023703}">
@@ -1498,59 +1605,73 @@
                     </a:extLst>
                   </a:hlinkClick>
                 </a:rPr>
-                <a:t>明霄升海平万象 </a:t>
+                <a:t>仓库</a:t>
               </a:r>
               <a:r>
-                <a:rPr lang="en-US" altLang="zh-CN" sz="1600" dirty="0">
+                <a:rPr kumimoji="0" lang="zh-CN" altLang="en-US" sz="1600" b="0" i="0" u="none" strike="noStrike" kern="1200" cap="none" spc="0" normalizeH="0" baseline="0" noProof="0" dirty="0">
+                  <a:ln>
+                    <a:noFill/>
+                  </a:ln>
                   <a:solidFill>
-                    <a:srgbClr val="026EFF"/>
+                    <a:prstClr val="black"/>
                   </a:solidFill>
-                  <a:hlinkClick r:id="rId2">
-                    <a:extLst>
-                      <a:ext uri="{A12FA001-AC4F-418D-AE19-62706E023703}">
-                        <ahyp:hlinkClr xmlns:ahyp="http://schemas.microsoft.com/office/drawing/2018/hyperlinkcolor" val="tx"/>
-                      </a:ext>
-                    </a:extLst>
-                  </a:hlinkClick>
+                  <a:effectLst/>
+                  <a:uLnTx/>
+                  <a:uFillTx/>
+                  <a:latin typeface="HarmonyOS Sans SC"/>
+                  <a:ea typeface="HarmonyOS Sans SC"/>
+                  <a:cs typeface="+mn-cs"/>
                 </a:rPr>
-                <a:t>(</a:t>
-              </a:r>
-              <a:r>
-                <a:rPr lang="af-ZA" altLang="zh-CN" sz="1600" dirty="0">
-                  <a:solidFill>
-                    <a:srgbClr val="026EFF"/>
-                  </a:solidFill>
-                  <a:hlinkClick r:id="rId2">
-                    <a:extLst>
-                      <a:ext uri="{A12FA001-AC4F-418D-AE19-62706E023703}">
-                        <ahyp:hlinkClr xmlns:ahyp="http://schemas.microsoft.com/office/drawing/2018/hyperlinkcolor" val="tx"/>
-                      </a:ext>
-                    </a:extLst>
-                  </a:hlinkClick>
-                </a:rPr>
-                <a:t>github.com)</a:t>
-              </a:r>
-              <a:r>
-                <a:rPr lang="zh-CN" altLang="en-US" sz="1600" dirty="0"/>
                 <a:t>检查版本是否为最新版（版本会写在</a:t>
               </a:r>
               <a:r>
-                <a:rPr lang="en-US" altLang="zh-CN" sz="1600" dirty="0"/>
+                <a:rPr kumimoji="0" lang="en-US" altLang="zh-CN" sz="1600" b="0" i="0" u="none" strike="noStrike" kern="1200" cap="none" spc="0" normalizeH="0" baseline="0" noProof="0" dirty="0">
+                  <a:ln>
+                    <a:noFill/>
+                  </a:ln>
+                  <a:solidFill>
+                    <a:prstClr val="black"/>
+                  </a:solidFill>
+                  <a:effectLst/>
+                  <a:uLnTx/>
+                  <a:uFillTx/>
+                  <a:latin typeface="HarmonyOS Sans SC"/>
+                  <a:ea typeface="HarmonyOS Sans SC"/>
+                  <a:cs typeface="+mn-cs"/>
+                </a:rPr>
                 <a:t>Description</a:t>
               </a:r>
               <a:r>
-                <a:rPr lang="zh-CN" altLang="en-US" sz="1600" dirty="0"/>
-                <a:t>中</a:t>
+                <a:rPr kumimoji="0" lang="zh-CN" altLang="en-US" sz="1600" b="0" i="0" u="none" strike="noStrike" kern="1200" cap="none" spc="0" normalizeH="0" baseline="0" noProof="0" dirty="0">
+                  <a:ln>
+                    <a:noFill/>
+                  </a:ln>
+                  <a:solidFill>
+                    <a:prstClr val="black"/>
+                  </a:solidFill>
+                  <a:effectLst/>
+                  <a:uLnTx/>
+                  <a:uFillTx/>
+                  <a:latin typeface="HarmonyOS Sans SC"/>
+                  <a:ea typeface="HarmonyOS Sans SC"/>
+                  <a:cs typeface="+mn-cs"/>
+                </a:rPr>
+                <a:t>中），如果不是，请在上面的链接中下载最新版。</a:t>
               </a:r>
-              <a:r>
-                <a:rPr lang="zh-CN" altLang="en-US" sz="1600"/>
-                <a:t>），</a:t>
-              </a:r>
-              <a:r>
-                <a:rPr lang="zh-CN" altLang="en-US" sz="1600" dirty="0"/>
-                <a:t>如果不是，请在上面的链接中下载最新版。</a:t>
-              </a:r>
-              <a:endParaRPr lang="en-US" altLang="zh-CN" sz="1600" dirty="0"/>
+              <a:endParaRPr kumimoji="0" lang="en-US" altLang="zh-CN" sz="1600" b="0" i="0" u="none" strike="noStrike" kern="1200" cap="none" spc="0" normalizeH="0" baseline="0" noProof="0" dirty="0">
+                <a:ln>
+                  <a:noFill/>
+                </a:ln>
+                <a:solidFill>
+                  <a:prstClr val="black"/>
+                </a:solidFill>
+                <a:effectLst/>
+                <a:uLnTx/>
+                <a:uFillTx/>
+                <a:latin typeface="HarmonyOS Sans SC"/>
+                <a:ea typeface="HarmonyOS Sans SC"/>
+                <a:cs typeface="+mn-cs"/>
+              </a:endParaRPr>
             </a:p>
           </p:txBody>
         </p:sp>
@@ -1603,7 +1724,7 @@
             </a:bodyPr>
             <a:lstStyle/>
             <a:p>
-              <a:pPr marL="0" marR="0" indent="0" algn="l" defTabSz="914400" rtl="0" eaLnBrk="1" fontAlgn="auto" latinLnBrk="0" hangingPunct="1">
+              <a:pPr marL="0" marR="0" lvl="0" indent="0" algn="l" defTabSz="914400" rtl="0" eaLnBrk="1" fontAlgn="auto" latinLnBrk="0" hangingPunct="1">
                 <a:lnSpc>
                   <a:spcPct val="100000"/>
                 </a:lnSpc>
@@ -1618,17 +1739,8 @@
                 <a:buFontTx/>
                 <a:buNone/>
                 <a:tabLst/>
+                <a:defRPr/>
               </a:pPr>
-              <a:r>
-                <a:rPr lang="zh-CN" altLang="en-US" sz="2400" dirty="0">
-                  <a:solidFill>
-                    <a:srgbClr val="026EFF"/>
-                  </a:solidFill>
-                  <a:latin typeface="HarmonyOS Sans SC Black" panose="00000A00000000000000" pitchFamily="2" charset="-122"/>
-                  <a:ea typeface="HarmonyOS Sans SC Black" panose="00000A00000000000000" pitchFamily="2" charset="-122"/>
-                </a:rPr>
-                <a:t>运行环境</a:t>
-              </a:r>
               <a:r>
                 <a:rPr kumimoji="0" lang="zh-CN" altLang="en-US" sz="2400" b="0" i="0" u="none" strike="noStrike" kern="1200" cap="none" spc="0" normalizeH="0" baseline="0" noProof="0" dirty="0">
                   <a:ln>
@@ -1642,8 +1754,9 @@
                   <a:uFillTx/>
                   <a:latin typeface="HarmonyOS Sans SC Black" panose="00000A00000000000000" pitchFamily="2" charset="-122"/>
                   <a:ea typeface="HarmonyOS Sans SC Black" panose="00000A00000000000000" pitchFamily="2" charset="-122"/>
+                  <a:cs typeface="+mn-cs"/>
                 </a:rPr>
-                <a:t>说明</a:t>
+                <a:t>运行环境说明</a:t>
               </a:r>
             </a:p>
           </p:txBody>
@@ -1676,7 +1789,7 @@
             </a:bodyPr>
             <a:lstStyle/>
             <a:p>
-              <a:pPr marL="0" marR="0" indent="0" algn="l" defTabSz="914400" rtl="0" eaLnBrk="1" fontAlgn="auto" latinLnBrk="0" hangingPunct="1">
+              <a:pPr marL="0" marR="0" lvl="0" indent="0" algn="l" defTabSz="914400" rtl="0" eaLnBrk="1" fontAlgn="auto" latinLnBrk="0" hangingPunct="1">
                 <a:lnSpc>
                   <a:spcPct val="100000"/>
                 </a:lnSpc>
@@ -1691,103 +1804,280 @@
                 <a:buFontTx/>
                 <a:buNone/>
                 <a:tabLst/>
+                <a:defRPr/>
               </a:pPr>
               <a:r>
-                <a:rPr lang="zh-CN" altLang="en-US" sz="1600" dirty="0">
-                  <a:latin typeface="+mn-ea"/>
+                <a:rPr kumimoji="0" lang="zh-CN" altLang="en-US" sz="1600" b="0" i="0" u="none" strike="noStrike" kern="1200" cap="none" spc="0" normalizeH="0" baseline="0" noProof="0" dirty="0">
+                  <a:ln>
+                    <a:noFill/>
+                  </a:ln>
+                  <a:solidFill>
+                    <a:prstClr val="black"/>
+                  </a:solidFill>
+                  <a:effectLst/>
+                  <a:uLnTx/>
+                  <a:uFillTx/>
+                  <a:latin typeface="HarmonyOS Sans SC"/>
+                  <a:ea typeface="HarmonyOS Sans SC"/>
+                  <a:cs typeface="+mn-cs"/>
                 </a:rPr>
                 <a:t>请使用带有平滑功能的</a:t>
               </a:r>
               <a:r>
-                <a:rPr lang="en-US" altLang="zh-CN" sz="1600" dirty="0">
-                  <a:latin typeface="+mn-ea"/>
+                <a:rPr kumimoji="0" lang="en-US" altLang="zh-CN" sz="1600" b="0" i="0" u="none" strike="noStrike" kern="1200" cap="none" spc="0" normalizeH="0" baseline="0" noProof="0" dirty="0">
+                  <a:ln>
+                    <a:noFill/>
+                  </a:ln>
+                  <a:solidFill>
+                    <a:prstClr val="black"/>
+                  </a:solidFill>
+                  <a:effectLst/>
+                  <a:uLnTx/>
+                  <a:uFillTx/>
+                  <a:latin typeface="HarmonyOS Sans SC"/>
+                  <a:ea typeface="HarmonyOS Sans SC"/>
+                  <a:cs typeface="+mn-cs"/>
                 </a:rPr>
                 <a:t>PowerPoint</a:t>
               </a:r>
               <a:r>
-                <a:rPr lang="zh-CN" altLang="en-US" sz="1600" dirty="0">
-                  <a:latin typeface="+mn-ea"/>
+                <a:rPr kumimoji="0" lang="zh-CN" altLang="en-US" sz="1600" b="0" i="0" u="none" strike="noStrike" kern="1200" cap="none" spc="0" normalizeH="0" baseline="0" noProof="0" dirty="0">
+                  <a:ln>
+                    <a:noFill/>
+                  </a:ln>
+                  <a:solidFill>
+                    <a:prstClr val="black"/>
+                  </a:solidFill>
+                  <a:effectLst/>
+                  <a:uLnTx/>
+                  <a:uFillTx/>
+                  <a:latin typeface="HarmonyOS Sans SC"/>
+                  <a:ea typeface="HarmonyOS Sans SC"/>
+                  <a:cs typeface="+mn-cs"/>
                 </a:rPr>
                 <a:t>软件打开本</a:t>
               </a:r>
               <a:r>
-                <a:rPr lang="en-US" altLang="zh-CN" sz="1600" dirty="0">
-                  <a:latin typeface="+mn-ea"/>
+                <a:rPr kumimoji="0" lang="en-US" altLang="zh-CN" sz="1600" b="0" i="0" u="none" strike="noStrike" kern="1200" cap="none" spc="0" normalizeH="0" baseline="0" noProof="0" dirty="0">
+                  <a:ln>
+                    <a:noFill/>
+                  </a:ln>
+                  <a:solidFill>
+                    <a:prstClr val="black"/>
+                  </a:solidFill>
+                  <a:effectLst/>
+                  <a:uLnTx/>
+                  <a:uFillTx/>
+                  <a:latin typeface="HarmonyOS Sans SC"/>
+                  <a:ea typeface="HarmonyOS Sans SC"/>
+                  <a:cs typeface="+mn-cs"/>
                 </a:rPr>
                 <a:t>PPT</a:t>
               </a:r>
               <a:r>
-                <a:rPr lang="zh-CN" altLang="en-US" sz="1600" dirty="0">
-                  <a:latin typeface="+mn-ea"/>
+                <a:rPr kumimoji="0" lang="zh-CN" altLang="en-US" sz="1600" b="0" i="0" u="none" strike="noStrike" kern="1200" cap="none" spc="0" normalizeH="0" baseline="0" noProof="0" dirty="0">
+                  <a:ln>
+                    <a:noFill/>
+                  </a:ln>
+                  <a:solidFill>
+                    <a:prstClr val="black"/>
+                  </a:solidFill>
+                  <a:effectLst/>
+                  <a:uLnTx/>
+                  <a:uFillTx/>
+                  <a:latin typeface="HarmonyOS Sans SC"/>
+                  <a:ea typeface="HarmonyOS Sans SC"/>
+                  <a:cs typeface="+mn-cs"/>
                 </a:rPr>
                 <a:t>。建议使用</a:t>
               </a:r>
               <a:r>
-                <a:rPr lang="en-US" altLang="zh-CN" sz="1600" dirty="0">
-                  <a:latin typeface="+mn-ea"/>
+                <a:rPr kumimoji="0" lang="en-US" altLang="zh-CN" sz="1600" b="0" i="0" u="none" strike="noStrike" kern="1200" cap="none" spc="0" normalizeH="0" baseline="0" noProof="0" dirty="0">
+                  <a:ln>
+                    <a:noFill/>
+                  </a:ln>
+                  <a:solidFill>
+                    <a:prstClr val="black"/>
+                  </a:solidFill>
+                  <a:effectLst/>
+                  <a:uLnTx/>
+                  <a:uFillTx/>
+                  <a:latin typeface="HarmonyOS Sans SC"/>
+                  <a:ea typeface="HarmonyOS Sans SC"/>
+                  <a:cs typeface="+mn-cs"/>
                 </a:rPr>
                 <a:t>Microsoft 365</a:t>
               </a:r>
               <a:r>
-                <a:rPr lang="zh-CN" altLang="en-US" sz="1600" dirty="0">
-                  <a:latin typeface="+mn-ea"/>
+                <a:rPr kumimoji="0" lang="zh-CN" altLang="en-US" sz="1600" b="0" i="0" u="none" strike="noStrike" kern="1200" cap="none" spc="0" normalizeH="0" baseline="0" noProof="0" dirty="0">
+                  <a:ln>
+                    <a:noFill/>
+                  </a:ln>
+                  <a:solidFill>
+                    <a:prstClr val="black"/>
+                  </a:solidFill>
+                  <a:effectLst/>
+                  <a:uLnTx/>
+                  <a:uFillTx/>
+                  <a:latin typeface="HarmonyOS Sans SC"/>
+                  <a:ea typeface="HarmonyOS Sans SC"/>
+                  <a:cs typeface="+mn-cs"/>
                 </a:rPr>
                 <a:t>或</a:t>
               </a:r>
               <a:r>
-                <a:rPr lang="en-US" altLang="zh-CN" sz="1600" dirty="0">
-                  <a:latin typeface="+mn-ea"/>
+                <a:rPr kumimoji="0" lang="en-US" altLang="zh-CN" sz="1600" b="0" i="0" u="none" strike="noStrike" kern="1200" cap="none" spc="0" normalizeH="0" baseline="0" noProof="0" dirty="0">
+                  <a:ln>
+                    <a:noFill/>
+                  </a:ln>
+                  <a:solidFill>
+                    <a:prstClr val="black"/>
+                  </a:solidFill>
+                  <a:effectLst/>
+                  <a:uLnTx/>
+                  <a:uFillTx/>
+                  <a:latin typeface="HarmonyOS Sans SC"/>
+                  <a:ea typeface="HarmonyOS Sans SC"/>
+                  <a:cs typeface="+mn-cs"/>
                 </a:rPr>
                 <a:t>Office 2019</a:t>
               </a:r>
               <a:r>
-                <a:rPr lang="zh-CN" altLang="en-US" sz="1600" dirty="0">
-                  <a:latin typeface="+mn-ea"/>
+                <a:rPr kumimoji="0" lang="zh-CN" altLang="en-US" sz="1600" b="0" i="0" u="none" strike="noStrike" kern="1200" cap="none" spc="0" normalizeH="0" baseline="0" noProof="0" dirty="0">
+                  <a:ln>
+                    <a:noFill/>
+                  </a:ln>
+                  <a:solidFill>
+                    <a:prstClr val="black"/>
+                  </a:solidFill>
+                  <a:effectLst/>
+                  <a:uLnTx/>
+                  <a:uFillTx/>
+                  <a:latin typeface="HarmonyOS Sans SC"/>
+                  <a:ea typeface="HarmonyOS Sans SC"/>
+                  <a:cs typeface="+mn-cs"/>
                 </a:rPr>
                 <a:t>，不建议使用</a:t>
               </a:r>
               <a:r>
-                <a:rPr lang="en-US" altLang="zh-CN" sz="1600" dirty="0">
-                  <a:latin typeface="+mn-ea"/>
+                <a:rPr kumimoji="0" lang="en-US" altLang="zh-CN" sz="1600" b="0" i="0" u="none" strike="noStrike" kern="1200" cap="none" spc="0" normalizeH="0" baseline="0" noProof="0" dirty="0">
+                  <a:ln>
+                    <a:noFill/>
+                  </a:ln>
+                  <a:solidFill>
+                    <a:prstClr val="black"/>
+                  </a:solidFill>
+                  <a:effectLst/>
+                  <a:uLnTx/>
+                  <a:uFillTx/>
+                  <a:latin typeface="HarmonyOS Sans SC"/>
+                  <a:ea typeface="HarmonyOS Sans SC"/>
+                  <a:cs typeface="+mn-cs"/>
                 </a:rPr>
                 <a:t>Office 2016</a:t>
               </a:r>
               <a:r>
-                <a:rPr lang="zh-CN" altLang="en-US" sz="1600" dirty="0">
-                  <a:latin typeface="+mn-ea"/>
+                <a:rPr kumimoji="0" lang="zh-CN" altLang="en-US" sz="1600" b="0" i="0" u="none" strike="noStrike" kern="1200" cap="none" spc="0" normalizeH="0" baseline="0" noProof="0" dirty="0">
+                  <a:ln>
+                    <a:noFill/>
+                  </a:ln>
+                  <a:solidFill>
+                    <a:prstClr val="black"/>
+                  </a:solidFill>
+                  <a:effectLst/>
+                  <a:uLnTx/>
+                  <a:uFillTx/>
+                  <a:latin typeface="HarmonyOS Sans SC"/>
+                  <a:ea typeface="HarmonyOS Sans SC"/>
+                  <a:cs typeface="+mn-cs"/>
                 </a:rPr>
                 <a:t>及以下版本、</a:t>
               </a:r>
               <a:r>
-                <a:rPr lang="en-US" altLang="zh-CN" sz="1600" dirty="0">
-                  <a:latin typeface="+mn-ea"/>
+                <a:rPr kumimoji="0" lang="en-US" altLang="zh-CN" sz="1600" b="0" i="0" u="none" strike="noStrike" kern="1200" cap="none" spc="0" normalizeH="0" baseline="0" noProof="0" dirty="0">
+                  <a:ln>
+                    <a:noFill/>
+                  </a:ln>
+                  <a:solidFill>
+                    <a:prstClr val="black"/>
+                  </a:solidFill>
+                  <a:effectLst/>
+                  <a:uLnTx/>
+                  <a:uFillTx/>
+                  <a:latin typeface="HarmonyOS Sans SC"/>
+                  <a:ea typeface="HarmonyOS Sans SC"/>
+                  <a:cs typeface="+mn-cs"/>
                 </a:rPr>
                 <a:t>WPS</a:t>
               </a:r>
               <a:r>
-                <a:rPr lang="zh-CN" altLang="en-US" sz="1600" dirty="0">
-                  <a:latin typeface="+mn-ea"/>
+                <a:rPr kumimoji="0" lang="zh-CN" altLang="en-US" sz="1600" b="0" i="0" u="none" strike="noStrike" kern="1200" cap="none" spc="0" normalizeH="0" baseline="0" noProof="0" dirty="0">
+                  <a:ln>
+                    <a:noFill/>
+                  </a:ln>
+                  <a:solidFill>
+                    <a:prstClr val="black"/>
+                  </a:solidFill>
+                  <a:effectLst/>
+                  <a:uLnTx/>
+                  <a:uFillTx/>
+                  <a:latin typeface="HarmonyOS Sans SC"/>
+                  <a:ea typeface="HarmonyOS Sans SC"/>
+                  <a:cs typeface="+mn-cs"/>
                 </a:rPr>
                 <a:t>演示和</a:t>
               </a:r>
               <a:r>
-                <a:rPr lang="en-US" altLang="zh-CN" sz="1600" dirty="0">
-                  <a:latin typeface="+mn-ea"/>
+                <a:rPr kumimoji="0" lang="en-US" altLang="zh-CN" sz="1600" b="0" i="0" u="none" strike="noStrike" kern="1200" cap="none" spc="0" normalizeH="0" baseline="0" noProof="0" dirty="0">
+                  <a:ln>
+                    <a:noFill/>
+                  </a:ln>
+                  <a:solidFill>
+                    <a:prstClr val="black"/>
+                  </a:solidFill>
+                  <a:effectLst/>
+                  <a:uLnTx/>
+                  <a:uFillTx/>
+                  <a:latin typeface="HarmonyOS Sans SC"/>
+                  <a:ea typeface="HarmonyOS Sans SC"/>
+                  <a:cs typeface="+mn-cs"/>
                 </a:rPr>
                 <a:t>Keynote</a:t>
               </a:r>
               <a:r>
-                <a:rPr lang="zh-CN" altLang="en-US" sz="1600" dirty="0">
-                  <a:latin typeface="+mn-ea"/>
+                <a:rPr kumimoji="0" lang="zh-CN" altLang="en-US" sz="1600" b="0" i="0" u="none" strike="noStrike" kern="1200" cap="none" spc="0" normalizeH="0" baseline="0" noProof="0" dirty="0">
+                  <a:ln>
+                    <a:noFill/>
+                  </a:ln>
+                  <a:solidFill>
+                    <a:prstClr val="black"/>
+                  </a:solidFill>
+                  <a:effectLst/>
+                  <a:uLnTx/>
+                  <a:uFillTx/>
+                  <a:latin typeface="HarmonyOS Sans SC"/>
+                  <a:ea typeface="HarmonyOS Sans SC"/>
+                  <a:cs typeface="+mn-cs"/>
                 </a:rPr>
                 <a:t>。</a:t>
               </a:r>
-              <a:endParaRPr lang="en-US" altLang="zh-CN" sz="1600" dirty="0">
-                <a:latin typeface="+mn-ea"/>
+              <a:endParaRPr kumimoji="0" lang="en-US" altLang="zh-CN" sz="1600" b="0" i="0" u="none" strike="noStrike" kern="1200" cap="none" spc="0" normalizeH="0" baseline="0" noProof="0" dirty="0">
+                <a:ln>
+                  <a:noFill/>
+                </a:ln>
+                <a:solidFill>
+                  <a:prstClr val="black"/>
+                </a:solidFill>
+                <a:effectLst/>
+                <a:uLnTx/>
+                <a:uFillTx/>
+                <a:latin typeface="HarmonyOS Sans SC"/>
+                <a:ea typeface="HarmonyOS Sans SC"/>
+                <a:cs typeface="+mn-cs"/>
               </a:endParaRPr>
             </a:p>
             <a:p>
-              <a:pPr marL="0" marR="0" indent="0" algn="l" defTabSz="914400" rtl="0" eaLnBrk="1" fontAlgn="auto" latinLnBrk="0" hangingPunct="1">
+              <a:pPr marL="0" marR="0" lvl="0" indent="0" algn="l" defTabSz="914400" rtl="0" eaLnBrk="1" fontAlgn="auto" latinLnBrk="0" hangingPunct="1">
                 <a:lnSpc>
                   <a:spcPct val="100000"/>
                 </a:lnSpc>
@@ -1802,36 +2092,90 @@
                 <a:buFontTx/>
                 <a:buNone/>
                 <a:tabLst/>
+                <a:defRPr/>
               </a:pPr>
               <a:r>
-                <a:rPr lang="zh-CN" altLang="en-US" sz="1600" dirty="0">
-                  <a:latin typeface="+mn-ea"/>
+                <a:rPr kumimoji="0" lang="zh-CN" altLang="en-US" sz="1600" b="0" i="0" u="none" strike="noStrike" kern="1200" cap="none" spc="0" normalizeH="0" baseline="0" noProof="0" dirty="0">
+                  <a:ln>
+                    <a:noFill/>
+                  </a:ln>
+                  <a:solidFill>
+                    <a:prstClr val="black"/>
+                  </a:solidFill>
+                  <a:effectLst/>
+                  <a:uLnTx/>
+                  <a:uFillTx/>
+                  <a:latin typeface="HarmonyOS Sans SC"/>
+                  <a:ea typeface="HarmonyOS Sans SC"/>
+                  <a:cs typeface="+mn-cs"/>
                 </a:rPr>
                 <a:t>请注意你是否已经安装</a:t>
               </a:r>
               <a:r>
-                <a:rPr lang="en-US" altLang="zh-CN" sz="1600" dirty="0" err="1">
-                  <a:latin typeface="+mn-ea"/>
+                <a:rPr kumimoji="0" lang="en-US" altLang="zh-CN" sz="1600" b="0" i="0" u="none" strike="noStrike" kern="1200" cap="none" spc="0" normalizeH="0" baseline="0" noProof="0" dirty="0" err="1">
+                  <a:ln>
+                    <a:noFill/>
+                  </a:ln>
+                  <a:solidFill>
+                    <a:prstClr val="black"/>
+                  </a:solidFill>
+                  <a:effectLst/>
+                  <a:uLnTx/>
+                  <a:uFillTx/>
+                  <a:latin typeface="HarmonyOS Sans SC"/>
+                  <a:ea typeface="HarmonyOS Sans SC"/>
+                  <a:cs typeface="+mn-cs"/>
                 </a:rPr>
                 <a:t>HarmonyOS</a:t>
               </a:r>
               <a:r>
-                <a:rPr lang="en-US" altLang="zh-CN" sz="1600" dirty="0">
-                  <a:latin typeface="+mn-ea"/>
+                <a:rPr kumimoji="0" lang="en-US" altLang="zh-CN" sz="1600" b="0" i="0" u="none" strike="noStrike" kern="1200" cap="none" spc="0" normalizeH="0" baseline="0" noProof="0" dirty="0">
+                  <a:ln>
+                    <a:noFill/>
+                  </a:ln>
+                  <a:solidFill>
+                    <a:prstClr val="black"/>
+                  </a:solidFill>
+                  <a:effectLst/>
+                  <a:uLnTx/>
+                  <a:uFillTx/>
+                  <a:latin typeface="HarmonyOS Sans SC"/>
+                  <a:ea typeface="HarmonyOS Sans SC"/>
+                  <a:cs typeface="+mn-cs"/>
                 </a:rPr>
                 <a:t> Sans SC</a:t>
               </a:r>
               <a:r>
-                <a:rPr lang="zh-CN" altLang="en-US" sz="1600" dirty="0">
-                  <a:latin typeface="+mn-ea"/>
+                <a:rPr kumimoji="0" lang="zh-CN" altLang="en-US" sz="1600" b="0" i="0" u="none" strike="noStrike" kern="1200" cap="none" spc="0" normalizeH="0" baseline="0" noProof="0" dirty="0">
+                  <a:ln>
+                    <a:noFill/>
+                  </a:ln>
+                  <a:solidFill>
+                    <a:prstClr val="black"/>
+                  </a:solidFill>
+                  <a:effectLst/>
+                  <a:uLnTx/>
+                  <a:uFillTx/>
+                  <a:latin typeface="HarmonyOS Sans SC"/>
+                  <a:ea typeface="HarmonyOS Sans SC"/>
+                  <a:cs typeface="+mn-cs"/>
                 </a:rPr>
                 <a:t>字体。如果没有，请前往</a:t>
               </a:r>
               <a:r>
-                <a:rPr lang="zh-CN" altLang="en-US" sz="1600" dirty="0">
+                <a:rPr kumimoji="0" lang="zh-CN" altLang="en-US" sz="1600" b="0" i="0" u="none" strike="noStrike" kern="1200" cap="none" spc="0" normalizeH="0" baseline="0" noProof="0" dirty="0">
+                  <a:ln>
+                    <a:noFill/>
+                  </a:ln>
                   <a:solidFill>
                     <a:srgbClr val="026EFF"/>
                   </a:solidFill>
+                  <a:effectLst/>
+                  <a:uLnTx/>
+                  <a:uFillTx/>
+                  <a:latin typeface="HarmonyOS Sans SC"/>
+                  <a:ea typeface="HarmonyOS Sans SC"/>
+                  <a:cs typeface="+mn-cs"/>
                   <a:hlinkClick r:id="rId3">
                     <a:extLst>
                       <a:ext uri="{A12FA001-AC4F-418D-AE19-62706E023703}">
@@ -1843,10 +2187,19 @@
                 <a:t>通用设计</a:t>
               </a:r>
               <a:r>
-                <a:rPr lang="en-US" altLang="zh-CN" sz="1600" dirty="0">
+                <a:rPr kumimoji="0" lang="en-US" altLang="zh-CN" sz="1600" b="0" i="0" u="none" strike="noStrike" kern="1200" cap="none" spc="0" normalizeH="0" baseline="0" noProof="0" dirty="0">
+                  <a:ln>
+                    <a:noFill/>
+                  </a:ln>
                   <a:solidFill>
                     <a:srgbClr val="026EFF"/>
                   </a:solidFill>
+                  <a:effectLst/>
+                  <a:uLnTx/>
+                  <a:uFillTx/>
+                  <a:latin typeface="HarmonyOS Sans SC"/>
+                  <a:ea typeface="HarmonyOS Sans SC"/>
+                  <a:cs typeface="+mn-cs"/>
                   <a:hlinkClick r:id="rId3">
                     <a:extLst>
                       <a:ext uri="{A12FA001-AC4F-418D-AE19-62706E023703}">
@@ -1858,10 +2211,19 @@
                 <a:t>-</a:t>
               </a:r>
               <a:r>
-                <a:rPr lang="zh-CN" altLang="en-US" sz="1600" dirty="0">
+                <a:rPr kumimoji="0" lang="zh-CN" altLang="en-US" sz="1600" b="0" i="0" u="none" strike="noStrike" kern="1200" cap="none" spc="0" normalizeH="0" baseline="0" noProof="0" dirty="0">
+                  <a:ln>
+                    <a:noFill/>
+                  </a:ln>
                   <a:solidFill>
                     <a:srgbClr val="026EFF"/>
                   </a:solidFill>
+                  <a:effectLst/>
+                  <a:uLnTx/>
+                  <a:uFillTx/>
+                  <a:latin typeface="HarmonyOS Sans SC"/>
+                  <a:ea typeface="HarmonyOS Sans SC"/>
+                  <a:cs typeface="+mn-cs"/>
                   <a:hlinkClick r:id="rId3">
                     <a:extLst>
                       <a:ext uri="{A12FA001-AC4F-418D-AE19-62706E023703}">
@@ -1873,10 +2235,19 @@
                 <a:t>资源</a:t>
               </a:r>
               <a:r>
-                <a:rPr lang="en-US" altLang="zh-CN" sz="1600" dirty="0">
+                <a:rPr kumimoji="0" lang="en-US" altLang="zh-CN" sz="1600" b="0" i="0" u="none" strike="noStrike" kern="1200" cap="none" spc="0" normalizeH="0" baseline="0" noProof="0" dirty="0">
+                  <a:ln>
+                    <a:noFill/>
+                  </a:ln>
                   <a:solidFill>
                     <a:srgbClr val="026EFF"/>
                   </a:solidFill>
+                  <a:effectLst/>
+                  <a:uLnTx/>
+                  <a:uFillTx/>
+                  <a:latin typeface="HarmonyOS Sans SC"/>
+                  <a:ea typeface="HarmonyOS Sans SC"/>
+                  <a:cs typeface="+mn-cs"/>
                   <a:hlinkClick r:id="rId3">
                     <a:extLst>
                       <a:ext uri="{A12FA001-AC4F-418D-AE19-62706E023703}">
@@ -1888,10 +2259,19 @@
                 <a:t>-</a:t>
               </a:r>
               <a:r>
-                <a:rPr lang="en-US" altLang="zh-CN" sz="1600" dirty="0" err="1">
+                <a:rPr kumimoji="0" lang="en-US" altLang="zh-CN" sz="1600" b="0" i="0" u="none" strike="noStrike" kern="1200" cap="none" spc="0" normalizeH="0" baseline="0" noProof="0" dirty="0" err="1">
+                  <a:ln>
+                    <a:noFill/>
+                  </a:ln>
                   <a:solidFill>
                     <a:srgbClr val="026EFF"/>
                   </a:solidFill>
+                  <a:effectLst/>
+                  <a:uLnTx/>
+                  <a:uFillTx/>
+                  <a:latin typeface="HarmonyOS Sans SC"/>
+                  <a:ea typeface="HarmonyOS Sans SC"/>
+                  <a:cs typeface="+mn-cs"/>
                   <a:hlinkClick r:id="rId3">
                     <a:extLst>
                       <a:ext uri="{A12FA001-AC4F-418D-AE19-62706E023703}">
@@ -1903,10 +2283,19 @@
                 <a:t>HarmonyOS</a:t>
               </a:r>
               <a:r>
-                <a:rPr lang="zh-CN" altLang="en-US" sz="1600" dirty="0">
+                <a:rPr kumimoji="0" lang="zh-CN" altLang="en-US" sz="1600" b="0" i="0" u="none" strike="noStrike" kern="1200" cap="none" spc="0" normalizeH="0" baseline="0" noProof="0" dirty="0">
+                  <a:ln>
+                    <a:noFill/>
+                  </a:ln>
                   <a:solidFill>
                     <a:srgbClr val="026EFF"/>
                   </a:solidFill>
+                  <a:effectLst/>
+                  <a:uLnTx/>
+                  <a:uFillTx/>
+                  <a:latin typeface="HarmonyOS Sans SC"/>
+                  <a:ea typeface="HarmonyOS Sans SC"/>
+                  <a:cs typeface="+mn-cs"/>
                   <a:hlinkClick r:id="rId3">
                     <a:extLst>
                       <a:ext uri="{A12FA001-AC4F-418D-AE19-62706E023703}">
@@ -1918,19 +2307,69 @@
                 <a:t>应用开发</a:t>
               </a:r>
               <a:r>
-                <a:rPr lang="zh-CN" altLang="en-US" sz="1600" dirty="0"/>
+                <a:rPr kumimoji="0" lang="zh-CN" altLang="en-US" sz="1600" b="0" i="0" u="none" strike="noStrike" kern="1200" cap="none" spc="0" normalizeH="0" baseline="0" noProof="0" dirty="0">
+                  <a:ln>
+                    <a:noFill/>
+                  </a:ln>
+                  <a:solidFill>
+                    <a:prstClr val="black"/>
+                  </a:solidFill>
+                  <a:effectLst/>
+                  <a:uLnTx/>
+                  <a:uFillTx/>
+                  <a:latin typeface="HarmonyOS Sans SC"/>
+                  <a:ea typeface="HarmonyOS Sans SC"/>
+                  <a:cs typeface="+mn-cs"/>
+                </a:rPr>
                 <a:t>下载并安装之后，重新启动</a:t>
               </a:r>
               <a:r>
-                <a:rPr lang="en-US" altLang="zh-CN" sz="1600" dirty="0"/>
+                <a:rPr kumimoji="0" lang="en-US" altLang="zh-CN" sz="1600" b="0" i="0" u="none" strike="noStrike" kern="1200" cap="none" spc="0" normalizeH="0" baseline="0" noProof="0" dirty="0">
+                  <a:ln>
+                    <a:noFill/>
+                  </a:ln>
+                  <a:solidFill>
+                    <a:prstClr val="black"/>
+                  </a:solidFill>
+                  <a:effectLst/>
+                  <a:uLnTx/>
+                  <a:uFillTx/>
+                  <a:latin typeface="HarmonyOS Sans SC"/>
+                  <a:ea typeface="HarmonyOS Sans SC"/>
+                  <a:cs typeface="+mn-cs"/>
+                </a:rPr>
                 <a:t>PowerPoint</a:t>
               </a:r>
               <a:r>
-                <a:rPr lang="zh-CN" altLang="en-US" sz="1600" dirty="0"/>
+                <a:rPr kumimoji="0" lang="zh-CN" altLang="en-US" sz="1600" b="0" i="0" u="none" strike="noStrike" kern="1200" cap="none" spc="0" normalizeH="0" baseline="0" noProof="0" dirty="0">
+                  <a:ln>
+                    <a:noFill/>
+                  </a:ln>
+                  <a:solidFill>
+                    <a:prstClr val="black"/>
+                  </a:solidFill>
+                  <a:effectLst/>
+                  <a:uLnTx/>
+                  <a:uFillTx/>
+                  <a:latin typeface="HarmonyOS Sans SC"/>
+                  <a:ea typeface="HarmonyOS Sans SC"/>
+                  <a:cs typeface="+mn-cs"/>
+                </a:rPr>
                 <a:t>。</a:t>
               </a:r>
-              <a:endParaRPr lang="en-US" altLang="zh-CN" sz="1600" dirty="0">
-                <a:latin typeface="+mn-ea"/>
+              <a:endParaRPr kumimoji="0" lang="en-US" altLang="zh-CN" sz="1600" b="0" i="0" u="none" strike="noStrike" kern="1200" cap="none" spc="0" normalizeH="0" baseline="0" noProof="0" dirty="0">
+                <a:ln>
+                  <a:noFill/>
+                </a:ln>
+                <a:solidFill>
+                  <a:prstClr val="black"/>
+                </a:solidFill>
+                <a:effectLst/>
+                <a:uLnTx/>
+                <a:uFillTx/>
+                <a:latin typeface="HarmonyOS Sans SC"/>
+                <a:ea typeface="HarmonyOS Sans SC"/>
+                <a:cs typeface="+mn-cs"/>
               </a:endParaRPr>
             </a:p>
           </p:txBody>
@@ -1984,7 +2423,7 @@
             </a:bodyPr>
             <a:lstStyle/>
             <a:p>
-              <a:pPr marL="0" marR="0" indent="0" algn="l" defTabSz="914400" rtl="0" eaLnBrk="1" fontAlgn="auto" latinLnBrk="0" hangingPunct="1">
+              <a:pPr marL="0" marR="0" lvl="0" indent="0" algn="l" defTabSz="914400" rtl="0" eaLnBrk="1" fontAlgn="auto" latinLnBrk="0" hangingPunct="1">
                 <a:lnSpc>
                   <a:spcPct val="100000"/>
                 </a:lnSpc>
@@ -1999,30 +2438,25 @@
                 <a:buFontTx/>
                 <a:buNone/>
                 <a:tabLst/>
+                <a:defRPr/>
               </a:pPr>
               <a:r>
-                <a:rPr lang="zh-CN" altLang="en-US" sz="2400" dirty="0">
+                <a:rPr kumimoji="0" lang="zh-CN" altLang="en-US" sz="2400" b="0" i="0" u="none" strike="noStrike" kern="1200" cap="none" spc="0" normalizeH="0" baseline="0" noProof="0" dirty="0">
+                  <a:ln>
+                    <a:noFill/>
+                  </a:ln>
                   <a:solidFill>
                     <a:srgbClr val="026EFF"/>
                   </a:solidFill>
+                  <a:effectLst/>
+                  <a:uLnTx/>
+                  <a:uFillTx/>
                   <a:latin typeface="HarmonyOS Sans SC Black" panose="00000A00000000000000" pitchFamily="2" charset="-122"/>
                   <a:ea typeface="HarmonyOS Sans SC Black" panose="00000A00000000000000" pitchFamily="2" charset="-122"/>
+                  <a:cs typeface="+mn-cs"/>
                 </a:rPr>
                 <a:t>问题反馈说明</a:t>
               </a:r>
-              <a:endParaRPr kumimoji="0" lang="zh-CN" altLang="en-US" sz="2400" b="0" i="0" u="none" strike="noStrike" kern="1200" cap="none" spc="0" normalizeH="0" baseline="0" noProof="0" dirty="0">
-                <a:ln>
-                  <a:noFill/>
-                </a:ln>
-                <a:solidFill>
-                  <a:srgbClr val="026EFF"/>
-                </a:solidFill>
-                <a:effectLst/>
-                <a:uLnTx/>
-                <a:uFillTx/>
-                <a:latin typeface="HarmonyOS Sans SC Black" panose="00000A00000000000000" pitchFamily="2" charset="-122"/>
-                <a:ea typeface="HarmonyOS Sans SC Black" panose="00000A00000000000000" pitchFamily="2" charset="-122"/>
-              </a:endParaRPr>
             </a:p>
           </p:txBody>
         </p:sp>
@@ -2054,7 +2488,7 @@
             </a:bodyPr>
             <a:lstStyle/>
             <a:p>
-              <a:pPr marL="0" marR="0" indent="0" algn="l" defTabSz="914400" rtl="0" eaLnBrk="1" fontAlgn="auto" latinLnBrk="0" hangingPunct="1">
+              <a:pPr marL="0" marR="0" lvl="0" indent="0" algn="l" defTabSz="914400" rtl="0" eaLnBrk="1" fontAlgn="auto" latinLnBrk="0" hangingPunct="1">
                 <a:lnSpc>
                   <a:spcPct val="100000"/>
                 </a:lnSpc>
@@ -2069,18 +2503,39 @@
                 <a:buFontTx/>
                 <a:buNone/>
                 <a:tabLst/>
+                <a:defRPr/>
               </a:pPr>
               <a:r>
-                <a:rPr lang="zh-CN" altLang="en-US" sz="1600" dirty="0">
-                  <a:latin typeface="+mn-ea"/>
+                <a:rPr kumimoji="0" lang="zh-CN" altLang="en-US" sz="1600" b="0" i="0" u="none" strike="noStrike" kern="1200" cap="none" spc="0" normalizeH="0" baseline="0" noProof="0" dirty="0">
+                  <a:ln>
+                    <a:noFill/>
+                  </a:ln>
+                  <a:solidFill>
+                    <a:prstClr val="black"/>
+                  </a:solidFill>
+                  <a:effectLst/>
+                  <a:uLnTx/>
+                  <a:uFillTx/>
+                  <a:latin typeface="HarmonyOS Sans SC"/>
+                  <a:ea typeface="HarmonyOS Sans SC"/>
+                  <a:cs typeface="+mn-cs"/>
                 </a:rPr>
                 <a:t>前往</a:t>
               </a:r>
               <a:r>
-                <a:rPr lang="af-ZA" altLang="zh-CN" sz="1600" dirty="0">
+                <a:rPr kumimoji="0" lang="af-ZA" altLang="zh-CN" sz="1600" b="0" i="0" u="none" strike="noStrike" kern="1200" cap="none" spc="0" normalizeH="0" baseline="0" noProof="0" dirty="0">
+                  <a:ln>
+                    <a:noFill/>
+                  </a:ln>
                   <a:solidFill>
                     <a:srgbClr val="026EFF"/>
                   </a:solidFill>
+                  <a:effectLst/>
+                  <a:uLnTx/>
+                  <a:uFillTx/>
+                  <a:latin typeface="HarmonyOS Sans SC"/>
+                  <a:ea typeface="HarmonyOS Sans SC"/>
+                  <a:cs typeface="+mn-cs"/>
                   <a:hlinkClick r:id="rId4">
                     <a:extLst>
                       <a:ext uri="{A12FA001-AC4F-418D-AE19-62706E023703}">
@@ -2089,16 +2544,42 @@
                     </a:extLst>
                   </a:hlinkClick>
                 </a:rPr>
-                <a:t>Litmus OS – PRIDEPLAYER</a:t>
+                <a:t>GitHub Issues</a:t>
               </a:r>
               <a:r>
-                <a:rPr lang="zh-CN" altLang="en-US" sz="1600" dirty="0"/>
-                <a:t>这个用户社区以反馈问题。</a:t>
+                <a:rPr kumimoji="0" lang="zh-CN" altLang="en-US" sz="1600" b="0" i="0" u="none" strike="noStrike" kern="1200" cap="none" spc="0" normalizeH="0" baseline="0" noProof="0" dirty="0">
+                  <a:ln>
+                    <a:noFill/>
+                  </a:ln>
+                  <a:solidFill>
+                    <a:prstClr val="black"/>
+                  </a:solidFill>
+                  <a:effectLst/>
+                  <a:uLnTx/>
+                  <a:uFillTx/>
+                  <a:latin typeface="HarmonyOS Sans SC"/>
+                  <a:ea typeface="HarmonyOS Sans SC"/>
+                  <a:cs typeface="+mn-cs"/>
+                </a:rPr>
+                <a:t>这个开发者社区以反馈问题。</a:t>
               </a:r>
-              <a:endParaRPr lang="en-US" altLang="zh-CN" sz="1600" dirty="0"/>
+              <a:endParaRPr kumimoji="0" lang="en-US" altLang="zh-CN" sz="1600" b="0" i="0" u="none" strike="noStrike" kern="1200" cap="none" spc="0" normalizeH="0" baseline="0" noProof="0" dirty="0">
+                <a:ln>
+                  <a:noFill/>
+                </a:ln>
+                <a:solidFill>
+                  <a:prstClr val="black"/>
+                </a:solidFill>
+                <a:effectLst/>
+                <a:uLnTx/>
+                <a:uFillTx/>
+                <a:latin typeface="HarmonyOS Sans SC"/>
+                <a:ea typeface="HarmonyOS Sans SC"/>
+                <a:cs typeface="+mn-cs"/>
+              </a:endParaRPr>
             </a:p>
             <a:p>
-              <a:pPr marL="0" marR="0" indent="0" algn="l" defTabSz="914400" rtl="0" eaLnBrk="1" fontAlgn="auto" latinLnBrk="0" hangingPunct="1">
+              <a:pPr marL="0" marR="0" lvl="0" indent="0" algn="l" defTabSz="914400" rtl="0" eaLnBrk="1" fontAlgn="auto" latinLnBrk="0" hangingPunct="1">
                 <a:lnSpc>
                   <a:spcPct val="100000"/>
                 </a:lnSpc>
@@ -2113,36 +2594,110 @@
                 <a:buFontTx/>
                 <a:buNone/>
                 <a:tabLst/>
+                <a:defRPr/>
               </a:pPr>
               <a:r>
-                <a:rPr lang="zh-CN" altLang="en-US" sz="1600" dirty="0">
-                  <a:latin typeface="+mn-ea"/>
+                <a:rPr kumimoji="0" lang="zh-CN" altLang="en-US" sz="1600" b="0" i="0" u="none" strike="noStrike" kern="1200" cap="none" spc="0" normalizeH="0" baseline="0" noProof="0" dirty="0">
+                  <a:ln>
+                    <a:noFill/>
+                  </a:ln>
+                  <a:solidFill>
+                    <a:prstClr val="black"/>
+                  </a:solidFill>
+                  <a:effectLst/>
+                  <a:uLnTx/>
+                  <a:uFillTx/>
+                  <a:latin typeface="HarmonyOS Sans SC"/>
+                  <a:ea typeface="HarmonyOS Sans SC"/>
+                  <a:cs typeface="+mn-cs"/>
                 </a:rPr>
                 <a:t>前往</a:t>
               </a:r>
               <a:r>
-                <a:rPr lang="en-US" altLang="zh-CN" sz="1600" dirty="0">
+                <a:rPr kumimoji="0" lang="en-US" altLang="zh-CN" sz="1600" b="0" i="0" u="none" strike="noStrike" kern="1200" cap="none" spc="0" normalizeH="0" baseline="0" noProof="0" dirty="0">
+                  <a:ln>
+                    <a:noFill/>
+                  </a:ln>
                   <a:solidFill>
-                    <a:srgbClr val="026EFF"/>
+                    <a:prstClr val="black"/>
                   </a:solidFill>
-                  <a:hlinkClick r:id="rId5">
-                    <a:extLst>
-                      <a:ext uri="{A12FA001-AC4F-418D-AE19-62706E023703}">
-                        <ahyp:hlinkClr xmlns:ahyp="http://schemas.microsoft.com/office/drawing/2018/hyperlinkcolor" val="tx"/>
-                      </a:ext>
-                    </a:extLst>
-                  </a:hlinkClick>
+                  <a:effectLst/>
+                  <a:uLnTx/>
+                  <a:uFillTx/>
+                  <a:latin typeface="HarmonyOS Sans SC"/>
+                  <a:ea typeface="HarmonyOS Sans SC"/>
+                  <a:cs typeface="+mn-cs"/>
                 </a:rPr>
-                <a:t>Issues · PRIDEPLAYER-COMMUNITY/Litmus-OS-Neptune (github.com)</a:t>
+                <a:t>Litmus OS</a:t>
               </a:r>
               <a:r>
-                <a:rPr lang="zh-CN" altLang="en-US" sz="1600" dirty="0"/>
-                <a:t>这个开发者社区以反馈问题。</a:t>
+                <a:rPr kumimoji="0" lang="zh-CN" altLang="en-US" sz="1600" b="0" i="0" u="none" strike="noStrike" kern="1200" cap="none" spc="0" normalizeH="0" baseline="0" noProof="0" dirty="0">
+                  <a:ln>
+                    <a:noFill/>
+                  </a:ln>
+                  <a:solidFill>
+                    <a:prstClr val="black"/>
+                  </a:solidFill>
+                  <a:effectLst/>
+                  <a:uLnTx/>
+                  <a:uFillTx/>
+                  <a:latin typeface="HarmonyOS Sans SC"/>
+                  <a:ea typeface="HarmonyOS Sans SC"/>
+                  <a:cs typeface="+mn-cs"/>
+                </a:rPr>
+                <a:t>的</a:t>
               </a:r>
-              <a:endParaRPr lang="en-US" altLang="zh-CN" sz="1600" dirty="0"/>
+              <a:r>
+                <a:rPr kumimoji="0" lang="en-US" altLang="zh-CN" sz="1600" b="0" i="0" u="none" strike="noStrike" kern="1200" cap="none" spc="0" normalizeH="0" baseline="0" noProof="0" dirty="0">
+                  <a:ln>
+                    <a:noFill/>
+                  </a:ln>
+                  <a:solidFill>
+                    <a:prstClr val="black"/>
+                  </a:solidFill>
+                  <a:effectLst/>
+                  <a:uLnTx/>
+                  <a:uFillTx/>
+                  <a:latin typeface="HarmonyOS Sans SC"/>
+                  <a:ea typeface="HarmonyOS Sans SC"/>
+                  <a:cs typeface="+mn-cs"/>
+                </a:rPr>
+                <a:t>QQ</a:t>
+              </a:r>
+              <a:r>
+                <a:rPr kumimoji="0" lang="zh-CN" altLang="en-US" sz="1600" b="0" i="0" u="none" strike="noStrike" kern="1200" cap="none" spc="0" normalizeH="0" baseline="0" noProof="0" dirty="0">
+                  <a:ln>
+                    <a:noFill/>
+                  </a:ln>
+                  <a:solidFill>
+                    <a:prstClr val="black"/>
+                  </a:solidFill>
+                  <a:effectLst/>
+                  <a:uLnTx/>
+                  <a:uFillTx/>
+                  <a:latin typeface="HarmonyOS Sans SC"/>
+                  <a:ea typeface="HarmonyOS Sans SC"/>
+                  <a:cs typeface="+mn-cs"/>
+                </a:rPr>
+                <a:t>频道以反馈问题。</a:t>
+              </a:r>
+              <a:endParaRPr kumimoji="0" lang="en-US" altLang="zh-CN" sz="1600" b="0" i="0" u="none" strike="noStrike" kern="1200" cap="none" spc="0" normalizeH="0" baseline="0" noProof="0" dirty="0">
+                <a:ln>
+                  <a:noFill/>
+                </a:ln>
+                <a:solidFill>
+                  <a:prstClr val="black"/>
+                </a:solidFill>
+                <a:effectLst/>
+                <a:uLnTx/>
+                <a:uFillTx/>
+                <a:latin typeface="HarmonyOS Sans SC"/>
+                <a:ea typeface="HarmonyOS Sans SC"/>
+                <a:cs typeface="+mn-cs"/>
+              </a:endParaRPr>
             </a:p>
             <a:p>
-              <a:pPr marL="0" marR="0" indent="0" algn="l" defTabSz="914400" rtl="0" eaLnBrk="1" fontAlgn="auto" latinLnBrk="0" hangingPunct="1">
+              <a:pPr marL="0" marR="0" lvl="0" indent="0" algn="l" defTabSz="914400" rtl="0" eaLnBrk="1" fontAlgn="auto" latinLnBrk="0" hangingPunct="1">
                 <a:lnSpc>
                   <a:spcPct val="100000"/>
                 </a:lnSpc>
@@ -2157,15 +2712,38 @@
                 <a:buFontTx/>
                 <a:buNone/>
                 <a:tabLst/>
+                <a:defRPr/>
               </a:pPr>
               <a:r>
-                <a:rPr lang="zh-CN" altLang="en-US" sz="1600" dirty="0">
-                  <a:latin typeface="+mn-ea"/>
+                <a:rPr kumimoji="0" lang="zh-CN" altLang="en-US" sz="1600" b="0" i="0" u="none" strike="noStrike" kern="1200" cap="none" spc="0" normalizeH="0" baseline="0" noProof="0" dirty="0">
+                  <a:ln>
+                    <a:noFill/>
+                  </a:ln>
+                  <a:solidFill>
+                    <a:prstClr val="black"/>
+                  </a:solidFill>
+                  <a:effectLst/>
+                  <a:uLnTx/>
+                  <a:uFillTx/>
+                  <a:latin typeface="HarmonyOS Sans SC"/>
+                  <a:ea typeface="HarmonyOS Sans SC"/>
+                  <a:cs typeface="+mn-cs"/>
                 </a:rPr>
-                <a:t>除此两个渠道外，没有其他反馈方式。其他地方的反馈都不会被看见。</a:t>
+                <a:t>除以上渠道外，没有其他反馈方式。其他地方的反馈都不会被看见。</a:t>
               </a:r>
-              <a:endParaRPr lang="en-US" altLang="zh-CN" sz="1600" dirty="0">
-                <a:latin typeface="+mn-ea"/>
+              <a:endParaRPr kumimoji="0" lang="en-US" altLang="zh-CN" sz="1600" b="0" i="0" u="none" strike="noStrike" kern="1200" cap="none" spc="0" normalizeH="0" baseline="0" noProof="0" dirty="0">
+                <a:ln>
+                  <a:noFill/>
+                </a:ln>
+                <a:solidFill>
+                  <a:prstClr val="black"/>
+                </a:solidFill>
+                <a:effectLst/>
+                <a:uLnTx/>
+                <a:uFillTx/>
+                <a:latin typeface="HarmonyOS Sans SC"/>
+                <a:ea typeface="HarmonyOS Sans SC"/>
+                <a:cs typeface="+mn-cs"/>
               </a:endParaRPr>
             </a:p>
           </p:txBody>
@@ -2174,7 +2752,7 @@
     </p:spTree>
     <p:extLst>
       <p:ext uri="{BB962C8B-B14F-4D97-AF65-F5344CB8AC3E}">
-        <p14:creationId xmlns:p14="http://schemas.microsoft.com/office/powerpoint/2010/main" val="2376029829"/>
+        <p14:creationId xmlns:p14="http://schemas.microsoft.com/office/powerpoint/2010/main" val="3151685466"/>
       </p:ext>
     </p:extLst>
   </p:cSld>
@@ -12939,6 +13517,21 @@
 </file>
 
 <file path=customXml/item1.xml><?xml version="1.0" encoding="utf-8"?>
+<p:properties xmlns:p="http://schemas.microsoft.com/office/2006/metadata/properties" xmlns:xsi="http://www.w3.org/2001/XMLSchema-instance" xmlns:pc="http://schemas.microsoft.com/office/infopath/2007/PartnerControls">
+  <documentManagement/>
+</p:properties>
+</file>
+
+<file path=customXml/item2.xml><?xml version="1.0" encoding="utf-8"?>
+<?mso-contentType ?>
+<FormTemplates xmlns="http://schemas.microsoft.com/sharepoint/v3/contenttype/forms">
+  <Display>DocumentLibraryForm</Display>
+  <Edit>DocumentLibraryForm</Edit>
+  <New>DocumentLibraryForm</New>
+</FormTemplates>
+</file>
+
+<file path=customXml/item3.xml><?xml version="1.0" encoding="utf-8"?>
 <ct:contentTypeSchema xmlns:ct="http://schemas.microsoft.com/office/2006/metadata/contentType" xmlns:ma="http://schemas.microsoft.com/office/2006/metadata/properties/metaAttributes" ct:_="" ma:_="" ma:contentTypeName="Document" ma:contentTypeID="0x0101002AA4D7E5AD0F5B42840812531506AF67" ma:contentTypeVersion="2" ma:contentTypeDescription="Create a new document." ma:contentTypeScope="" ma:versionID="59a8a12be96250d666b59e8d42e67dc0">
   <xsd:schema xmlns:xsd="http://www.w3.org/2001/XMLSchema" xmlns:xs="http://www.w3.org/2001/XMLSchema" xmlns:p="http://schemas.microsoft.com/office/2006/metadata/properties" xmlns:ns3="15cd7e07-3324-4b56-98dd-d48dc1a7a9a6" targetNamespace="http://schemas.microsoft.com/office/2006/metadata/properties" ma:root="true" ma:fieldsID="807e8ddba400f981f2267b1739d6e90e" ns3:_="">
     <xsd:import namespace="15cd7e07-3324-4b56-98dd-d48dc1a7a9a6"/>
@@ -13070,22 +13663,31 @@
 </ct:contentTypeSchema>
 </file>
 
-<file path=customXml/item2.xml><?xml version="1.0" encoding="utf-8"?>
-<p:properties xmlns:p="http://schemas.microsoft.com/office/2006/metadata/properties" xmlns:xsi="http://www.w3.org/2001/XMLSchema-instance" xmlns:pc="http://schemas.microsoft.com/office/infopath/2007/PartnerControls">
-  <documentManagement/>
-</p:properties>
+<file path=customXml/itemProps1.xml><?xml version="1.0" encoding="utf-8"?>
+<ds:datastoreItem xmlns:ds="http://schemas.openxmlformats.org/officeDocument/2006/customXml" ds:itemID="{3A2DE8D7-826E-4835-86F9-3A13949399C6}">
+  <ds:schemaRefs>
+    <ds:schemaRef ds:uri="http://purl.org/dc/terms/"/>
+    <ds:schemaRef ds:uri="http://schemas.openxmlformats.org/package/2006/metadata/core-properties"/>
+    <ds:schemaRef ds:uri="http://schemas.microsoft.com/office/2006/documentManagement/types"/>
+    <ds:schemaRef ds:uri="http://schemas.microsoft.com/office/infopath/2007/PartnerControls"/>
+    <ds:schemaRef ds:uri="http://purl.org/dc/elements/1.1/"/>
+    <ds:schemaRef ds:uri="http://schemas.microsoft.com/office/2006/metadata/properties"/>
+    <ds:schemaRef ds:uri="15cd7e07-3324-4b56-98dd-d48dc1a7a9a6"/>
+    <ds:schemaRef ds:uri="http://www.w3.org/XML/1998/namespace"/>
+    <ds:schemaRef ds:uri="http://purl.org/dc/dcmitype/"/>
+  </ds:schemaRefs>
+</ds:datastoreItem>
 </file>
 
-<file path=customXml/item3.xml><?xml version="1.0" encoding="utf-8"?>
-<?mso-contentType ?>
-<FormTemplates xmlns="http://schemas.microsoft.com/sharepoint/v3/contenttype/forms">
-  <Display>DocumentLibraryForm</Display>
-  <Edit>DocumentLibraryForm</Edit>
-  <New>DocumentLibraryForm</New>
-</FormTemplates>
+<file path=customXml/itemProps2.xml><?xml version="1.0" encoding="utf-8"?>
+<ds:datastoreItem xmlns:ds="http://schemas.openxmlformats.org/officeDocument/2006/customXml" ds:itemID="{98CDACAB-EFFD-4E9F-A3BE-F2E26DDDFA35}">
+  <ds:schemaRefs>
+    <ds:schemaRef ds:uri="http://schemas.microsoft.com/sharepoint/v3/contenttype/forms"/>
+  </ds:schemaRefs>
+</ds:datastoreItem>
 </file>
 
-<file path=customXml/itemProps1.xml><?xml version="1.0" encoding="utf-8"?>
+<file path=customXml/itemProps3.xml><?xml version="1.0" encoding="utf-8"?>
 <ds:datastoreItem xmlns:ds="http://schemas.openxmlformats.org/officeDocument/2006/customXml" ds:itemID="{7FECCB62-C48E-40BE-9B06-26A4700A9BBE}">
   <ds:schemaRefs>
     <ds:schemaRef ds:uri="http://schemas.microsoft.com/office/2006/metadata/contentType"/>
@@ -13101,28 +13703,4 @@
     <ds:schemaRef ds:uri="http://schemas.microsoft.com/internal/obd"/>
   </ds:schemaRefs>
 </ds:datastoreItem>
-</file>
-
-<file path=customXml/itemProps2.xml><?xml version="1.0" encoding="utf-8"?>
-<ds:datastoreItem xmlns:ds="http://schemas.openxmlformats.org/officeDocument/2006/customXml" ds:itemID="{3A2DE8D7-826E-4835-86F9-3A13949399C6}">
-  <ds:schemaRefs>
-    <ds:schemaRef ds:uri="http://purl.org/dc/terms/"/>
-    <ds:schemaRef ds:uri="http://schemas.openxmlformats.org/package/2006/metadata/core-properties"/>
-    <ds:schemaRef ds:uri="http://schemas.microsoft.com/office/2006/documentManagement/types"/>
-    <ds:schemaRef ds:uri="http://schemas.microsoft.com/office/infopath/2007/PartnerControls"/>
-    <ds:schemaRef ds:uri="http://purl.org/dc/elements/1.1/"/>
-    <ds:schemaRef ds:uri="http://schemas.microsoft.com/office/2006/metadata/properties"/>
-    <ds:schemaRef ds:uri="15cd7e07-3324-4b56-98dd-d48dc1a7a9a6"/>
-    <ds:schemaRef ds:uri="http://www.w3.org/XML/1998/namespace"/>
-    <ds:schemaRef ds:uri="http://purl.org/dc/dcmitype/"/>
-  </ds:schemaRefs>
-</ds:datastoreItem>
-</file>
-
-<file path=customXml/itemProps3.xml><?xml version="1.0" encoding="utf-8"?>
-<ds:datastoreItem xmlns:ds="http://schemas.openxmlformats.org/officeDocument/2006/customXml" ds:itemID="{98CDACAB-EFFD-4E9F-A3BE-F2E26DDDFA35}">
-  <ds:schemaRefs>
-    <ds:schemaRef ds:uri="http://schemas.microsoft.com/sharepoint/v3/contenttype/forms"/>
-  </ds:schemaRefs>
-</ds:datastoreItem>
 </file>